--- a/Program_TwoLegRigidBody/TwoLeg_search_fixedPoints.pptx
+++ b/Program_TwoLegRigidBody/TwoLeg_search_fixedPoints.pptx
@@ -12,7 +12,6 @@
     <p:sldId id="260" r:id="rId6"/>
     <p:sldId id="263" r:id="rId7"/>
     <p:sldId id="262" r:id="rId8"/>
-    <p:sldId id="261" r:id="rId9"/>
   </p:sldIdLst>
   <p:sldSz cx="12192000" cy="6858000"/>
   <p:notesSz cx="6858000" cy="9144000"/>
@@ -248,7 +247,7 @@
           <a:p>
             <a:fld id="{5FADB8DA-E946-4804-A4B7-D07B726C45B4}" type="datetimeFigureOut">
               <a:rPr kumimoji="1" lang="ja-JP" altLang="en-US" smtClean="0"/>
-              <a:t>2020/6/29</a:t>
+              <a:t>2022/3/16</a:t>
             </a:fld>
             <a:endParaRPr kumimoji="1" lang="ja-JP" altLang="en-US"/>
           </a:p>
@@ -448,7 +447,7 @@
           <a:p>
             <a:fld id="{5FADB8DA-E946-4804-A4B7-D07B726C45B4}" type="datetimeFigureOut">
               <a:rPr kumimoji="1" lang="ja-JP" altLang="en-US" smtClean="0"/>
-              <a:t>2020/6/29</a:t>
+              <a:t>2022/3/16</a:t>
             </a:fld>
             <a:endParaRPr kumimoji="1" lang="ja-JP" altLang="en-US"/>
           </a:p>
@@ -658,7 +657,7 @@
           <a:p>
             <a:fld id="{5FADB8DA-E946-4804-A4B7-D07B726C45B4}" type="datetimeFigureOut">
               <a:rPr kumimoji="1" lang="ja-JP" altLang="en-US" smtClean="0"/>
-              <a:t>2020/6/29</a:t>
+              <a:t>2022/3/16</a:t>
             </a:fld>
             <a:endParaRPr kumimoji="1" lang="ja-JP" altLang="en-US"/>
           </a:p>
@@ -858,7 +857,7 @@
           <a:p>
             <a:fld id="{5FADB8DA-E946-4804-A4B7-D07B726C45B4}" type="datetimeFigureOut">
               <a:rPr kumimoji="1" lang="ja-JP" altLang="en-US" smtClean="0"/>
-              <a:t>2020/6/29</a:t>
+              <a:t>2022/3/16</a:t>
             </a:fld>
             <a:endParaRPr kumimoji="1" lang="ja-JP" altLang="en-US"/>
           </a:p>
@@ -1103,7 +1102,7 @@
           <a:p>
             <a:fld id="{5FADB8DA-E946-4804-A4B7-D07B726C45B4}" type="datetimeFigureOut">
               <a:rPr kumimoji="1" lang="ja-JP" altLang="en-US" smtClean="0"/>
-              <a:t>2020/6/29</a:t>
+              <a:t>2022/3/16</a:t>
             </a:fld>
             <a:endParaRPr kumimoji="1" lang="ja-JP" altLang="en-US"/>
           </a:p>
@@ -1396,7 +1395,7 @@
           <a:p>
             <a:fld id="{5FADB8DA-E946-4804-A4B7-D07B726C45B4}" type="datetimeFigureOut">
               <a:rPr kumimoji="1" lang="ja-JP" altLang="en-US" smtClean="0"/>
-              <a:t>2020/6/29</a:t>
+              <a:t>2022/3/16</a:t>
             </a:fld>
             <a:endParaRPr kumimoji="1" lang="ja-JP" altLang="en-US"/>
           </a:p>
@@ -1824,7 +1823,7 @@
           <a:p>
             <a:fld id="{5FADB8DA-E946-4804-A4B7-D07B726C45B4}" type="datetimeFigureOut">
               <a:rPr kumimoji="1" lang="ja-JP" altLang="en-US" smtClean="0"/>
-              <a:t>2020/6/29</a:t>
+              <a:t>2022/3/16</a:t>
             </a:fld>
             <a:endParaRPr kumimoji="1" lang="ja-JP" altLang="en-US"/>
           </a:p>
@@ -1941,7 +1940,7 @@
           <a:p>
             <a:fld id="{5FADB8DA-E946-4804-A4B7-D07B726C45B4}" type="datetimeFigureOut">
               <a:rPr kumimoji="1" lang="ja-JP" altLang="en-US" smtClean="0"/>
-              <a:t>2020/6/29</a:t>
+              <a:t>2022/3/16</a:t>
             </a:fld>
             <a:endParaRPr kumimoji="1" lang="ja-JP" altLang="en-US"/>
           </a:p>
@@ -2036,7 +2035,7 @@
           <a:p>
             <a:fld id="{5FADB8DA-E946-4804-A4B7-D07B726C45B4}" type="datetimeFigureOut">
               <a:rPr kumimoji="1" lang="ja-JP" altLang="en-US" smtClean="0"/>
-              <a:t>2020/6/29</a:t>
+              <a:t>2022/3/16</a:t>
             </a:fld>
             <a:endParaRPr kumimoji="1" lang="ja-JP" altLang="en-US"/>
           </a:p>
@@ -2343,7 +2342,7 @@
           <a:p>
             <a:fld id="{5FADB8DA-E946-4804-A4B7-D07B726C45B4}" type="datetimeFigureOut">
               <a:rPr kumimoji="1" lang="ja-JP" altLang="en-US" smtClean="0"/>
-              <a:t>2020/6/29</a:t>
+              <a:t>2022/3/16</a:t>
             </a:fld>
             <a:endParaRPr kumimoji="1" lang="ja-JP" altLang="en-US"/>
           </a:p>
@@ -2595,7 +2594,7 @@
           <a:p>
             <a:fld id="{5FADB8DA-E946-4804-A4B7-D07B726C45B4}" type="datetimeFigureOut">
               <a:rPr kumimoji="1" lang="ja-JP" altLang="en-US" smtClean="0"/>
-              <a:t>2020/6/29</a:t>
+              <a:t>2022/3/16</a:t>
             </a:fld>
             <a:endParaRPr kumimoji="1" lang="ja-JP" altLang="en-US"/>
           </a:p>
@@ -2838,7 +2837,7 @@
           <a:p>
             <a:fld id="{5FADB8DA-E946-4804-A4B7-D07B726C45B4}" type="datetimeFigureOut">
               <a:rPr kumimoji="1" lang="ja-JP" altLang="en-US" smtClean="0"/>
-              <a:t>2020/6/29</a:t>
+              <a:t>2022/3/16</a:t>
             </a:fld>
             <a:endParaRPr kumimoji="1" lang="ja-JP" altLang="en-US"/>
           </a:p>
@@ -8124,8 +8123,8 @@
           </p:sp>
         </mc:Fallback>
       </mc:AlternateContent>
-      <mc:AlternateContent xmlns:mc="http://schemas.openxmlformats.org/markup-compatibility/2006">
-        <mc:Choice xmlns:a14="http://schemas.microsoft.com/office/drawing/2010/main" Requires="a14">
+      <mc:AlternateContent xmlns:mc="http://schemas.openxmlformats.org/markup-compatibility/2006" xmlns:a14="http://schemas.microsoft.com/office/drawing/2010/main">
+        <mc:Choice Requires="a14">
           <p:sp>
             <p:nvSpPr>
               <p:cNvPr id="30" name="テキスト ボックス 29"/>
@@ -8261,7 +8260,7 @@
             </p:txBody>
           </p:sp>
         </mc:Choice>
-        <mc:Fallback>
+        <mc:Fallback xmlns="">
           <p:sp>
             <p:nvSpPr>
               <p:cNvPr id="30" name="テキスト ボックス 29"/>
@@ -9331,8 +9330,8 @@
           </a:p>
         </p:txBody>
       </p:sp>
-      <mc:AlternateContent xmlns:mc="http://schemas.openxmlformats.org/markup-compatibility/2006">
-        <mc:Choice xmlns:a14="http://schemas.microsoft.com/office/drawing/2010/main" Requires="a14">
+      <mc:AlternateContent xmlns:mc="http://schemas.openxmlformats.org/markup-compatibility/2006" xmlns:a14="http://schemas.microsoft.com/office/drawing/2010/main">
+        <mc:Choice Requires="a14">
           <p:sp>
             <p:nvSpPr>
               <p:cNvPr id="7" name="テキスト ボックス 6"/>
@@ -9471,7 +9470,7 @@
             </p:txBody>
           </p:sp>
         </mc:Choice>
-        <mc:Fallback>
+        <mc:Fallback xmlns="">
           <p:sp>
             <p:nvSpPr>
               <p:cNvPr id="7" name="テキスト ボックス 6"/>
@@ -9510,8 +9509,8 @@
           </p:sp>
         </mc:Fallback>
       </mc:AlternateContent>
-      <mc:AlternateContent xmlns:mc="http://schemas.openxmlformats.org/markup-compatibility/2006">
-        <mc:Choice xmlns:a14="http://schemas.microsoft.com/office/drawing/2010/main" Requires="a14">
+      <mc:AlternateContent xmlns:mc="http://schemas.openxmlformats.org/markup-compatibility/2006" xmlns:a14="http://schemas.microsoft.com/office/drawing/2010/main">
+        <mc:Choice Requires="a14">
           <p:sp>
             <p:nvSpPr>
               <p:cNvPr id="8" name="テキスト ボックス 7"/>
@@ -9556,7 +9555,7 @@
             </p:txBody>
           </p:sp>
         </mc:Choice>
-        <mc:Fallback>
+        <mc:Fallback xmlns="">
           <p:sp>
             <p:nvSpPr>
               <p:cNvPr id="8" name="テキスト ボックス 7"/>
@@ -9595,8 +9594,8 @@
           </p:sp>
         </mc:Fallback>
       </mc:AlternateContent>
-      <mc:AlternateContent xmlns:mc="http://schemas.openxmlformats.org/markup-compatibility/2006">
-        <mc:Choice xmlns:a14="http://schemas.microsoft.com/office/drawing/2010/main" Requires="a14">
+      <mc:AlternateContent xmlns:mc="http://schemas.openxmlformats.org/markup-compatibility/2006" xmlns:a14="http://schemas.microsoft.com/office/drawing/2010/main">
+        <mc:Choice Requires="a14">
           <p:sp>
             <p:nvSpPr>
               <p:cNvPr id="10" name="テキスト ボックス 9"/>
@@ -9763,7 +9762,7 @@
             </p:txBody>
           </p:sp>
         </mc:Choice>
-        <mc:Fallback>
+        <mc:Fallback xmlns="">
           <p:sp>
             <p:nvSpPr>
               <p:cNvPr id="10" name="テキスト ボックス 9"/>
@@ -9802,8 +9801,8 @@
           </p:sp>
         </mc:Fallback>
       </mc:AlternateContent>
-      <mc:AlternateContent xmlns:mc="http://schemas.openxmlformats.org/markup-compatibility/2006">
-        <mc:Choice xmlns:a14="http://schemas.microsoft.com/office/drawing/2010/main" Requires="a14">
+      <mc:AlternateContent xmlns:mc="http://schemas.openxmlformats.org/markup-compatibility/2006" xmlns:a14="http://schemas.microsoft.com/office/drawing/2010/main">
+        <mc:Choice Requires="a14">
           <p:sp>
             <p:nvSpPr>
               <p:cNvPr id="12" name="テキスト ボックス 11">
@@ -9854,7 +9853,7 @@
             </p:txBody>
           </p:sp>
         </mc:Choice>
-        <mc:Fallback>
+        <mc:Fallback xmlns="">
           <p:sp>
             <p:nvSpPr>
               <p:cNvPr id="12" name="テキスト ボックス 11">
@@ -9899,8 +9898,8 @@
           </p:sp>
         </mc:Fallback>
       </mc:AlternateContent>
-      <mc:AlternateContent xmlns:mc="http://schemas.openxmlformats.org/markup-compatibility/2006">
-        <mc:Choice xmlns:a14="http://schemas.microsoft.com/office/drawing/2010/main" Requires="a14">
+      <mc:AlternateContent xmlns:mc="http://schemas.openxmlformats.org/markup-compatibility/2006" xmlns:a14="http://schemas.microsoft.com/office/drawing/2010/main">
+        <mc:Choice Requires="a14">
           <p:sp>
             <p:nvSpPr>
               <p:cNvPr id="14" name="テキスト ボックス 13">
@@ -9965,7 +9964,7 @@
             </p:txBody>
           </p:sp>
         </mc:Choice>
-        <mc:Fallback>
+        <mc:Fallback xmlns="">
           <p:sp>
             <p:nvSpPr>
               <p:cNvPr id="14" name="テキスト ボックス 13">
@@ -10160,7 +10159,7 @@
         </p:nvSpPr>
         <p:spPr>
           <a:xfrm>
-            <a:off x="2285204" y="2695289"/>
+            <a:off x="3189985" y="2695289"/>
             <a:ext cx="712952" cy="369332"/>
           </a:xfrm>
           <a:prstGeom prst="rect">
@@ -10190,7 +10189,7 @@
         </p:nvSpPr>
         <p:spPr>
           <a:xfrm>
-            <a:off x="2285204" y="2230680"/>
+            <a:off x="3189985" y="2230680"/>
             <a:ext cx="606256" cy="369332"/>
           </a:xfrm>
           <a:prstGeom prst="rect">
@@ -10273,42 +10272,13 @@
       </p:sp>
       <p:sp>
         <p:nvSpPr>
-          <p:cNvPr id="8" name="正方形/長方形 7"/>
-          <p:cNvSpPr/>
-          <p:nvPr/>
-        </p:nvSpPr>
-        <p:spPr>
-          <a:xfrm>
-            <a:off x="2285204" y="3159898"/>
-            <a:ext cx="596638" cy="369332"/>
-          </a:xfrm>
-          <a:prstGeom prst="rect">
-            <a:avLst/>
-          </a:prstGeom>
-        </p:spPr>
-        <p:txBody>
-          <a:bodyPr wrap="none">
-            <a:spAutoFit/>
-          </a:bodyPr>
-          <a:lstStyle/>
-          <a:p>
-            <a:r>
-              <a:rPr lang="en-US" altLang="ja-JP" dirty="0" err="1"/>
-              <a:t>func</a:t>
-            </a:r>
-            <a:endParaRPr lang="ja-JP" altLang="en-US" dirty="0"/>
-          </a:p>
-        </p:txBody>
-      </p:sp>
-      <p:sp>
-        <p:nvSpPr>
           <p:cNvPr id="9" name="正方形/長方形 8"/>
           <p:cNvSpPr/>
           <p:nvPr/>
         </p:nvSpPr>
         <p:spPr>
           <a:xfrm>
-            <a:off x="2285204" y="5178538"/>
+            <a:off x="2285204" y="4865840"/>
             <a:ext cx="1365823" cy="369332"/>
           </a:xfrm>
           <a:prstGeom prst="rect">
@@ -10618,7 +10588,7 @@
         </p:nvGrpSpPr>
         <p:grpSpPr>
           <a:xfrm>
-            <a:off x="1797525" y="2274398"/>
+            <a:off x="2702306" y="2274398"/>
             <a:ext cx="428253" cy="256132"/>
             <a:chOff x="5322277" y="1003696"/>
             <a:chExt cx="1016611" cy="608020"/>
@@ -11166,7 +11136,7 @@
         </p:nvGrpSpPr>
         <p:grpSpPr>
           <a:xfrm>
-            <a:off x="1817587" y="2748959"/>
+            <a:off x="2722368" y="2748959"/>
             <a:ext cx="428253" cy="256132"/>
             <a:chOff x="5322277" y="1003696"/>
             <a:chExt cx="1016611" cy="608020"/>
@@ -11440,7 +11410,7 @@
         </p:nvGrpSpPr>
         <p:grpSpPr>
           <a:xfrm>
-            <a:off x="1817587" y="3223520"/>
+            <a:off x="2722368" y="3223520"/>
             <a:ext cx="428253" cy="256132"/>
             <a:chOff x="5322277" y="1003696"/>
             <a:chExt cx="1016611" cy="608020"/>
@@ -11714,7 +11684,7 @@
         </p:nvGrpSpPr>
         <p:grpSpPr>
           <a:xfrm>
-            <a:off x="1899685" y="5121764"/>
+            <a:off x="1899685" y="4809066"/>
             <a:ext cx="283490" cy="418530"/>
             <a:chOff x="6257925" y="737790"/>
             <a:chExt cx="552450" cy="815609"/>
@@ -12033,15 +12003,16 @@
         <p:nvCxnSpPr>
           <p:cNvPr id="56" name="カギ線コネクタ 55"/>
           <p:cNvCxnSpPr>
-            <a:stCxn id="32" idx="2"/>
+            <a:cxnSpLocks/>
+            <a:stCxn id="10" idx="2"/>
             <a:endCxn id="27" idx="1"/>
           </p:cNvCxnSpPr>
           <p:nvPr/>
         </p:nvCxnSpPr>
         <p:spPr>
           <a:xfrm rot="16200000" flipH="1">
-            <a:off x="882067" y="1519204"/>
-            <a:ext cx="866137" cy="964779"/>
+            <a:off x="2162616" y="1894973"/>
+            <a:ext cx="378694" cy="700685"/>
           </a:xfrm>
           <a:prstGeom prst="bentConnector2">
             <a:avLst/>
@@ -12066,15 +12037,16 @@
         <p:nvCxnSpPr>
           <p:cNvPr id="58" name="カギ線コネクタ 57"/>
           <p:cNvCxnSpPr>
-            <a:stCxn id="32" idx="2"/>
+            <a:cxnSpLocks/>
+            <a:stCxn id="10" idx="2"/>
             <a:endCxn id="37" idx="1"/>
           </p:cNvCxnSpPr>
           <p:nvPr/>
         </p:nvCxnSpPr>
         <p:spPr>
           <a:xfrm rot="16200000" flipH="1">
-            <a:off x="654817" y="1746454"/>
-            <a:ext cx="1340698" cy="984841"/>
+            <a:off x="1935367" y="2122222"/>
+            <a:ext cx="853255" cy="720747"/>
           </a:xfrm>
           <a:prstGeom prst="bentConnector2">
             <a:avLst/>
@@ -12099,15 +12071,16 @@
         <p:nvCxnSpPr>
           <p:cNvPr id="60" name="カギ線コネクタ 59"/>
           <p:cNvCxnSpPr>
-            <a:stCxn id="32" idx="2"/>
+            <a:cxnSpLocks/>
+            <a:stCxn id="10" idx="2"/>
             <a:endCxn id="42" idx="1"/>
           </p:cNvCxnSpPr>
           <p:nvPr/>
         </p:nvCxnSpPr>
         <p:spPr>
           <a:xfrm rot="16200000" flipH="1">
-            <a:off x="417537" y="1983734"/>
-            <a:ext cx="1815259" cy="984841"/>
+            <a:off x="1698086" y="2359503"/>
+            <a:ext cx="1327816" cy="720747"/>
           </a:xfrm>
           <a:prstGeom prst="bentConnector2">
             <a:avLst/>
@@ -12139,8 +12112,8 @@
         </p:nvCxnSpPr>
         <p:spPr>
           <a:xfrm rot="16200000" flipH="1">
-            <a:off x="-515037" y="2916308"/>
-            <a:ext cx="3762504" cy="1066939"/>
+            <a:off x="-358688" y="2759959"/>
+            <a:ext cx="3449806" cy="1066939"/>
           </a:xfrm>
           <a:prstGeom prst="bentConnector2">
             <a:avLst/>
@@ -12169,7 +12142,7 @@
         </p:nvSpPr>
         <p:spPr>
           <a:xfrm>
-            <a:off x="6224887" y="5308100"/>
+            <a:off x="6224887" y="4995402"/>
             <a:ext cx="4794902" cy="369332"/>
           </a:xfrm>
           <a:prstGeom prst="rect">
@@ -12186,43 +12159,6 @@
             <a:r>
               <a:rPr kumimoji="1" lang="ja-JP" altLang="en-US" dirty="0"/>
               <a:t>ロボットモデルのクラスの動作確認用メイン関数</a:t>
-            </a:r>
-          </a:p>
-        </p:txBody>
-      </p:sp>
-      <p:sp>
-        <p:nvSpPr>
-          <p:cNvPr id="64" name="テキスト ボックス 63"/>
-          <p:cNvSpPr txBox="1"/>
-          <p:nvPr/>
-        </p:nvSpPr>
-        <p:spPr>
-          <a:xfrm>
-            <a:off x="3937352" y="3145569"/>
-            <a:ext cx="6595267" cy="369332"/>
-          </a:xfrm>
-          <a:prstGeom prst="rect">
-            <a:avLst/>
-          </a:prstGeom>
-          <a:noFill/>
-        </p:spPr>
-        <p:txBody>
-          <a:bodyPr wrap="none" rtlCol="0">
-            <a:spAutoFit/>
-          </a:bodyPr>
-          <a:lstStyle/>
-          <a:p>
-            <a:r>
-              <a:rPr kumimoji="1" lang="ja-JP" altLang="en-US" dirty="0"/>
-              <a:t>その他機能を持つ関数を格納（</a:t>
-            </a:r>
-            <a:r>
-              <a:rPr kumimoji="1" lang="en-US" altLang="ja-JP" dirty="0"/>
-              <a:t>Accumulate</a:t>
-            </a:r>
-            <a:r>
-              <a:rPr kumimoji="1" lang="ja-JP" altLang="en-US" dirty="0"/>
-              <a:t>やポアンカレ写像関連）</a:t>
             </a:r>
           </a:p>
         </p:txBody>
@@ -12264,7 +12200,7 @@
         </p:nvSpPr>
         <p:spPr>
           <a:xfrm>
-            <a:off x="3937352" y="2253587"/>
+            <a:off x="4842133" y="2253587"/>
             <a:ext cx="3413114" cy="369332"/>
           </a:xfrm>
           <a:prstGeom prst="rect">
@@ -12293,7 +12229,7 @@
         </p:nvSpPr>
         <p:spPr>
           <a:xfrm>
-            <a:off x="3937352" y="2672993"/>
+            <a:off x="4842133" y="2672993"/>
             <a:ext cx="5017720" cy="369332"/>
           </a:xfrm>
           <a:prstGeom prst="rect">
@@ -12323,7 +12259,7 @@
         </p:nvSpPr>
         <p:spPr>
           <a:xfrm>
-            <a:off x="2285204" y="5758725"/>
+            <a:off x="2285204" y="5446027"/>
             <a:ext cx="2433680" cy="369332"/>
           </a:xfrm>
           <a:prstGeom prst="rect">
@@ -12351,7 +12287,7 @@
         </p:nvGrpSpPr>
         <p:grpSpPr>
           <a:xfrm>
-            <a:off x="1899685" y="5758725"/>
+            <a:off x="1899685" y="5446027"/>
             <a:ext cx="283490" cy="418530"/>
             <a:chOff x="6257925" y="737790"/>
             <a:chExt cx="552450" cy="815609"/>
@@ -12641,7 +12577,7 @@
         </p:nvSpPr>
         <p:spPr>
           <a:xfrm>
-            <a:off x="6224887" y="5783324"/>
+            <a:off x="6224887" y="5470626"/>
             <a:ext cx="2587568" cy="369332"/>
           </a:xfrm>
           <a:prstGeom prst="rect">
@@ -12673,8 +12609,8 @@
         </p:nvCxnSpPr>
         <p:spPr>
           <a:xfrm rot="16200000" flipH="1">
-            <a:off x="-833517" y="3234788"/>
-            <a:ext cx="4399465" cy="1066939"/>
+            <a:off x="-677168" y="3078439"/>
+            <a:ext cx="4086767" cy="1066939"/>
           </a:xfrm>
           <a:prstGeom prst="bentConnector2">
             <a:avLst/>
@@ -12709,7 +12645,7 @@
         </p:nvSpPr>
         <p:spPr>
           <a:xfrm>
-            <a:off x="2285204" y="3634657"/>
+            <a:off x="3189985" y="3181233"/>
             <a:ext cx="1006045" cy="369332"/>
           </a:xfrm>
           <a:prstGeom prst="rect">
@@ -12730,310 +12666,6 @@
           </a:p>
         </p:txBody>
       </p:sp>
-      <p:grpSp>
-        <p:nvGrpSpPr>
-          <p:cNvPr id="80" name="グループ化 79">
-            <a:extLst>
-              <a:ext uri="{FF2B5EF4-FFF2-40B4-BE49-F238E27FC236}">
-                <a16:creationId xmlns:a16="http://schemas.microsoft.com/office/drawing/2014/main" id="{188D7980-0EA7-4E98-9C10-52ACDAA76BBB}"/>
-              </a:ext>
-            </a:extLst>
-          </p:cNvPr>
-          <p:cNvGrpSpPr/>
-          <p:nvPr/>
-        </p:nvGrpSpPr>
-        <p:grpSpPr>
-          <a:xfrm>
-            <a:off x="1817587" y="3698081"/>
-            <a:ext cx="428253" cy="256132"/>
-            <a:chOff x="5322277" y="1003696"/>
-            <a:chExt cx="1016611" cy="608020"/>
-          </a:xfrm>
-        </p:grpSpPr>
-        <p:sp>
-          <p:nvSpPr>
-            <p:cNvPr id="81" name="正方形/長方形 80">
-              <a:extLst>
-                <a:ext uri="{FF2B5EF4-FFF2-40B4-BE49-F238E27FC236}">
-                  <a16:creationId xmlns:a16="http://schemas.microsoft.com/office/drawing/2014/main" id="{409B56A7-4725-43DD-9A8E-2035DEBF11A8}"/>
-                </a:ext>
-              </a:extLst>
-            </p:cNvPr>
-            <p:cNvSpPr/>
-            <p:nvPr/>
-          </p:nvSpPr>
-          <p:spPr>
-            <a:xfrm>
-              <a:off x="5369902" y="1003696"/>
-              <a:ext cx="968986" cy="608019"/>
-            </a:xfrm>
-            <a:prstGeom prst="rect">
-              <a:avLst/>
-            </a:prstGeom>
-            <a:solidFill>
-              <a:schemeClr val="accent4">
-                <a:lumMod val="75000"/>
-              </a:schemeClr>
-            </a:solidFill>
-            <a:ln>
-              <a:noFill/>
-            </a:ln>
-          </p:spPr>
-          <p:style>
-            <a:lnRef idx="2">
-              <a:schemeClr val="accent1">
-                <a:shade val="50000"/>
-              </a:schemeClr>
-            </a:lnRef>
-            <a:fillRef idx="1">
-              <a:schemeClr val="accent1"/>
-            </a:fillRef>
-            <a:effectRef idx="0">
-              <a:schemeClr val="accent1"/>
-            </a:effectRef>
-            <a:fontRef idx="minor">
-              <a:schemeClr val="lt1"/>
-            </a:fontRef>
-          </p:style>
-          <p:txBody>
-            <a:bodyPr rtlCol="0" anchor="ctr"/>
-            <a:lstStyle/>
-            <a:p>
-              <a:pPr algn="ctr"/>
-              <a:endParaRPr kumimoji="1" lang="ja-JP" altLang="en-US"/>
-            </a:p>
-          </p:txBody>
-        </p:sp>
-        <p:sp>
-          <p:nvSpPr>
-            <p:cNvPr id="82" name="正方形/長方形 81">
-              <a:extLst>
-                <a:ext uri="{FF2B5EF4-FFF2-40B4-BE49-F238E27FC236}">
-                  <a16:creationId xmlns:a16="http://schemas.microsoft.com/office/drawing/2014/main" id="{56CACE82-20D1-4683-879C-B8C9D852AF2E}"/>
-                </a:ext>
-              </a:extLst>
-            </p:cNvPr>
-            <p:cNvSpPr/>
-            <p:nvPr/>
-          </p:nvSpPr>
-          <p:spPr>
-            <a:xfrm>
-              <a:off x="5414963" y="1090613"/>
-              <a:ext cx="795337" cy="404812"/>
-            </a:xfrm>
-            <a:prstGeom prst="rect">
-              <a:avLst/>
-            </a:prstGeom>
-            <a:solidFill>
-              <a:schemeClr val="bg1"/>
-            </a:solidFill>
-            <a:ln>
-              <a:noFill/>
-            </a:ln>
-          </p:spPr>
-          <p:style>
-            <a:lnRef idx="2">
-              <a:schemeClr val="accent1">
-                <a:shade val="50000"/>
-              </a:schemeClr>
-            </a:lnRef>
-            <a:fillRef idx="1">
-              <a:schemeClr val="accent1"/>
-            </a:fillRef>
-            <a:effectRef idx="0">
-              <a:schemeClr val="accent1"/>
-            </a:effectRef>
-            <a:fontRef idx="minor">
-              <a:schemeClr val="lt1"/>
-            </a:fontRef>
-          </p:style>
-          <p:txBody>
-            <a:bodyPr rtlCol="0" anchor="ctr"/>
-            <a:lstStyle/>
-            <a:p>
-              <a:pPr algn="ctr"/>
-              <a:endParaRPr kumimoji="1" lang="ja-JP" altLang="en-US"/>
-            </a:p>
-          </p:txBody>
-        </p:sp>
-        <p:sp>
-          <p:nvSpPr>
-            <p:cNvPr id="83" name="正方形/長方形 82">
-              <a:extLst>
-                <a:ext uri="{FF2B5EF4-FFF2-40B4-BE49-F238E27FC236}">
-                  <a16:creationId xmlns:a16="http://schemas.microsoft.com/office/drawing/2014/main" id="{829A7182-5168-4831-8A9B-42A0E6CEDD9B}"/>
-                </a:ext>
-              </a:extLst>
-            </p:cNvPr>
-            <p:cNvSpPr/>
-            <p:nvPr/>
-          </p:nvSpPr>
-          <p:spPr>
-            <a:xfrm>
-              <a:off x="5322277" y="1156564"/>
-              <a:ext cx="968986" cy="455152"/>
-            </a:xfrm>
-            <a:prstGeom prst="rect">
-              <a:avLst/>
-            </a:prstGeom>
-            <a:solidFill>
-              <a:schemeClr val="accent4">
-                <a:lumMod val="60000"/>
-                <a:lumOff val="40000"/>
-              </a:schemeClr>
-            </a:solidFill>
-            <a:ln>
-              <a:noFill/>
-            </a:ln>
-          </p:spPr>
-          <p:style>
-            <a:lnRef idx="2">
-              <a:schemeClr val="accent1">
-                <a:shade val="50000"/>
-              </a:schemeClr>
-            </a:lnRef>
-            <a:fillRef idx="1">
-              <a:schemeClr val="accent1"/>
-            </a:fillRef>
-            <a:effectRef idx="0">
-              <a:schemeClr val="accent1"/>
-            </a:effectRef>
-            <a:fontRef idx="minor">
-              <a:schemeClr val="lt1"/>
-            </a:fontRef>
-          </p:style>
-          <p:txBody>
-            <a:bodyPr rtlCol="0" anchor="ctr"/>
-            <a:lstStyle/>
-            <a:p>
-              <a:pPr algn="ctr"/>
-              <a:endParaRPr kumimoji="1" lang="ja-JP" altLang="en-US"/>
-            </a:p>
-          </p:txBody>
-        </p:sp>
-        <p:sp>
-          <p:nvSpPr>
-            <p:cNvPr id="84" name="フリーフォーム 42">
-              <a:extLst>
-                <a:ext uri="{FF2B5EF4-FFF2-40B4-BE49-F238E27FC236}">
-                  <a16:creationId xmlns:a16="http://schemas.microsoft.com/office/drawing/2014/main" id="{6B6941BC-5B88-4341-B54C-954EDF3FC4F6}"/>
-                </a:ext>
-              </a:extLst>
-            </p:cNvPr>
-            <p:cNvSpPr/>
-            <p:nvPr/>
-          </p:nvSpPr>
-          <p:spPr>
-            <a:xfrm>
-              <a:off x="5322277" y="1047155"/>
-              <a:ext cx="471583" cy="152867"/>
-            </a:xfrm>
-            <a:custGeom>
-              <a:avLst/>
-              <a:gdLst>
-                <a:gd name="connsiteX0" fmla="*/ 350564 w 471583"/>
-                <a:gd name="connsiteY0" fmla="*/ 0 h 152867"/>
-                <a:gd name="connsiteX1" fmla="*/ 471583 w 471583"/>
-                <a:gd name="connsiteY1" fmla="*/ 152865 h 152867"/>
-                <a:gd name="connsiteX2" fmla="*/ 350564 w 471583"/>
-                <a:gd name="connsiteY2" fmla="*/ 152865 h 152867"/>
-                <a:gd name="connsiteX3" fmla="*/ 350564 w 471583"/>
-                <a:gd name="connsiteY3" fmla="*/ 152867 h 152867"/>
-                <a:gd name="connsiteX4" fmla="*/ 0 w 471583"/>
-                <a:gd name="connsiteY4" fmla="*/ 152867 h 152867"/>
-                <a:gd name="connsiteX5" fmla="*/ 0 w 471583"/>
-                <a:gd name="connsiteY5" fmla="*/ 366 h 152867"/>
-                <a:gd name="connsiteX6" fmla="*/ 350564 w 471583"/>
-                <a:gd name="connsiteY6" fmla="*/ 366 h 152867"/>
-              </a:gdLst>
-              <a:ahLst/>
-              <a:cxnLst>
-                <a:cxn ang="0">
-                  <a:pos x="connsiteX0" y="connsiteY0"/>
-                </a:cxn>
-                <a:cxn ang="0">
-                  <a:pos x="connsiteX1" y="connsiteY1"/>
-                </a:cxn>
-                <a:cxn ang="0">
-                  <a:pos x="connsiteX2" y="connsiteY2"/>
-                </a:cxn>
-                <a:cxn ang="0">
-                  <a:pos x="connsiteX3" y="connsiteY3"/>
-                </a:cxn>
-                <a:cxn ang="0">
-                  <a:pos x="connsiteX4" y="connsiteY4"/>
-                </a:cxn>
-                <a:cxn ang="0">
-                  <a:pos x="connsiteX5" y="connsiteY5"/>
-                </a:cxn>
-                <a:cxn ang="0">
-                  <a:pos x="connsiteX6" y="connsiteY6"/>
-                </a:cxn>
-              </a:cxnLst>
-              <a:rect l="l" t="t" r="r" b="b"/>
-              <a:pathLst>
-                <a:path w="471583" h="152867">
-                  <a:moveTo>
-                    <a:pt x="350564" y="0"/>
-                  </a:moveTo>
-                  <a:lnTo>
-                    <a:pt x="471583" y="152865"/>
-                  </a:lnTo>
-                  <a:lnTo>
-                    <a:pt x="350564" y="152865"/>
-                  </a:lnTo>
-                  <a:lnTo>
-                    <a:pt x="350564" y="152867"/>
-                  </a:lnTo>
-                  <a:lnTo>
-                    <a:pt x="0" y="152867"/>
-                  </a:lnTo>
-                  <a:lnTo>
-                    <a:pt x="0" y="366"/>
-                  </a:lnTo>
-                  <a:lnTo>
-                    <a:pt x="350564" y="366"/>
-                  </a:lnTo>
-                  <a:close/>
-                </a:path>
-              </a:pathLst>
-            </a:custGeom>
-            <a:solidFill>
-              <a:schemeClr val="accent4">
-                <a:lumMod val="60000"/>
-                <a:lumOff val="40000"/>
-              </a:schemeClr>
-            </a:solidFill>
-            <a:ln>
-              <a:noFill/>
-            </a:ln>
-          </p:spPr>
-          <p:style>
-            <a:lnRef idx="2">
-              <a:schemeClr val="accent1">
-                <a:shade val="50000"/>
-              </a:schemeClr>
-            </a:lnRef>
-            <a:fillRef idx="1">
-              <a:schemeClr val="accent1"/>
-            </a:fillRef>
-            <a:effectRef idx="0">
-              <a:schemeClr val="accent1"/>
-            </a:effectRef>
-            <a:fontRef idx="minor">
-              <a:schemeClr val="lt1"/>
-            </a:fontRef>
-          </p:style>
-          <p:txBody>
-            <a:bodyPr rtlCol="0" anchor="ctr"/>
-            <a:lstStyle/>
-            <a:p>
-              <a:pPr algn="ctr"/>
-              <a:endParaRPr kumimoji="1" lang="ja-JP" altLang="en-US"/>
-            </a:p>
-          </p:txBody>
-        </p:sp>
-      </p:grpSp>
       <p:sp>
         <p:nvSpPr>
           <p:cNvPr id="85" name="正方形/長方形 84">
@@ -13048,7 +12680,7 @@
         </p:nvSpPr>
         <p:spPr>
           <a:xfrm>
-            <a:off x="2285204" y="4084937"/>
+            <a:off x="2285204" y="3772239"/>
             <a:ext cx="599716" cy="369332"/>
           </a:xfrm>
           <a:prstGeom prst="rect">
@@ -13083,7 +12715,7 @@
         </p:nvGrpSpPr>
         <p:grpSpPr>
           <a:xfrm>
-            <a:off x="1817587" y="4172642"/>
+            <a:off x="1817587" y="3859944"/>
             <a:ext cx="428253" cy="256132"/>
             <a:chOff x="5322277" y="1003696"/>
             <a:chExt cx="1016611" cy="608020"/>
@@ -13387,7 +13019,7 @@
         </p:nvSpPr>
         <p:spPr>
           <a:xfrm>
-            <a:off x="2285204" y="4622801"/>
+            <a:off x="2285204" y="4310103"/>
             <a:ext cx="417102" cy="369332"/>
           </a:xfrm>
           <a:prstGeom prst="rect">
@@ -13422,7 +13054,7 @@
         </p:nvGrpSpPr>
         <p:grpSpPr>
           <a:xfrm>
-            <a:off x="1817587" y="4647203"/>
+            <a:off x="1817587" y="4334505"/>
             <a:ext cx="428253" cy="256132"/>
             <a:chOff x="5322277" y="1003696"/>
             <a:chExt cx="1016611" cy="608020"/>
@@ -13714,46 +13346,6 @@
       </p:grpSp>
       <p:cxnSp>
         <p:nvCxnSpPr>
-          <p:cNvPr id="97" name="カギ線コネクタ 59">
-            <a:extLst>
-              <a:ext uri="{FF2B5EF4-FFF2-40B4-BE49-F238E27FC236}">
-                <a16:creationId xmlns:a16="http://schemas.microsoft.com/office/drawing/2014/main" id="{280178D1-42A9-4E16-989D-06742304831F}"/>
-              </a:ext>
-            </a:extLst>
-          </p:cNvPr>
-          <p:cNvCxnSpPr>
-            <a:cxnSpLocks/>
-            <a:stCxn id="32" idx="2"/>
-            <a:endCxn id="83" idx="1"/>
-          </p:cNvCxnSpPr>
-          <p:nvPr/>
-        </p:nvCxnSpPr>
-        <p:spPr>
-          <a:xfrm rot="16200000" flipH="1">
-            <a:off x="180256" y="2221015"/>
-            <a:ext cx="2289820" cy="984841"/>
-          </a:xfrm>
-          <a:prstGeom prst="bentConnector2">
-            <a:avLst/>
-          </a:prstGeom>
-        </p:spPr>
-        <p:style>
-          <a:lnRef idx="1">
-            <a:schemeClr val="accent1"/>
-          </a:lnRef>
-          <a:fillRef idx="0">
-            <a:schemeClr val="accent1"/>
-          </a:fillRef>
-          <a:effectRef idx="0">
-            <a:schemeClr val="accent1"/>
-          </a:effectRef>
-          <a:fontRef idx="minor">
-            <a:schemeClr val="tx1"/>
-          </a:fontRef>
-        </p:style>
-      </p:cxnSp>
-      <p:cxnSp>
-        <p:nvCxnSpPr>
           <p:cNvPr id="98" name="カギ線コネクタ 59">
             <a:extLst>
               <a:ext uri="{FF2B5EF4-FFF2-40B4-BE49-F238E27FC236}">
@@ -13770,8 +13362,8 @@
         </p:nvCxnSpPr>
         <p:spPr>
           <a:xfrm rot="16200000" flipH="1">
-            <a:off x="-57024" y="2458295"/>
-            <a:ext cx="2764381" cy="984841"/>
+            <a:off x="99325" y="2301946"/>
+            <a:ext cx="2451683" cy="984841"/>
           </a:xfrm>
           <a:prstGeom prst="bentConnector2">
             <a:avLst/>
@@ -13810,8 +13402,8 @@
         </p:nvCxnSpPr>
         <p:spPr>
           <a:xfrm rot="16200000" flipH="1">
-            <a:off x="-294305" y="2695576"/>
-            <a:ext cx="3238942" cy="984841"/>
+            <a:off x="-137956" y="2539227"/>
+            <a:ext cx="2926244" cy="984841"/>
           </a:xfrm>
           <a:prstGeom prst="bentConnector2">
             <a:avLst/>
@@ -13846,7 +13438,7 @@
         </p:nvSpPr>
         <p:spPr>
           <a:xfrm>
-            <a:off x="3937352" y="3596118"/>
+            <a:off x="4842133" y="3142694"/>
             <a:ext cx="5739072" cy="369332"/>
           </a:xfrm>
           <a:prstGeom prst="rect">
@@ -13881,7 +13473,7 @@
         </p:nvSpPr>
         <p:spPr>
           <a:xfrm>
-            <a:off x="3937352" y="4109191"/>
+            <a:off x="3937352" y="3796493"/>
             <a:ext cx="4428905" cy="369332"/>
           </a:xfrm>
           <a:prstGeom prst="rect">
@@ -13932,7 +13524,7 @@
         </p:nvSpPr>
         <p:spPr>
           <a:xfrm>
-            <a:off x="3937352" y="4584415"/>
+            <a:off x="3937352" y="4271717"/>
             <a:ext cx="4059125" cy="369332"/>
           </a:xfrm>
           <a:prstGeom prst="rect">
@@ -14143,8 +13735,8 @@
           </a:prstGeom>
         </p:spPr>
       </p:pic>
-      <mc:AlternateContent xmlns:mc="http://schemas.openxmlformats.org/markup-compatibility/2006">
-        <mc:Choice xmlns:a14="http://schemas.microsoft.com/office/drawing/2010/main" Requires="a14">
+      <mc:AlternateContent xmlns:mc="http://schemas.openxmlformats.org/markup-compatibility/2006" xmlns:a14="http://schemas.microsoft.com/office/drawing/2010/main">
+        <mc:Choice Requires="a14">
           <p:sp>
             <p:nvSpPr>
               <p:cNvPr id="7" name="テキスト ボックス 6">
@@ -14717,7 +14309,7 @@
             </p:txBody>
           </p:sp>
         </mc:Choice>
-        <mc:Fallback>
+        <mc:Fallback xmlns="">
           <p:sp>
             <p:nvSpPr>
               <p:cNvPr id="7" name="テキスト ボックス 6">
@@ -15767,7 +15359,7 @@
         <p:spPr>
           <a:xfrm>
             <a:off x="2700044" y="2527943"/>
-            <a:ext cx="2554417" cy="338554"/>
+            <a:ext cx="1519968" cy="338554"/>
           </a:xfrm>
           <a:prstGeom prst="rect">
             <a:avLst/>
@@ -15784,7 +15376,7 @@
                 <a:latin typeface="Segoe UI" panose="020B0502040204020203" pitchFamily="34" charset="0"/>
                 <a:cs typeface="Segoe UI" panose="020B0502040204020203" pitchFamily="34" charset="0"/>
               </a:rPr>
-              <a:t>func_poincreMapBound.m</a:t>
+              <a:t>bound_once.m</a:t>
             </a:r>
             <a:endParaRPr lang="en-US" altLang="ja-JP" sz="1600" dirty="0">
               <a:latin typeface="Segoe UI" panose="020B0502040204020203" pitchFamily="34" charset="0"/>
@@ -16240,2119 +15832,6 @@
     <p:extLst>
       <p:ext uri="{BB962C8B-B14F-4D97-AF65-F5344CB8AC3E}">
         <p14:creationId xmlns:p14="http://schemas.microsoft.com/office/powerpoint/2010/main" val="3797363555"/>
-      </p:ext>
-    </p:extLst>
-  </p:cSld>
-  <p:clrMapOvr>
-    <a:masterClrMapping/>
-  </p:clrMapOvr>
-</p:sld>
-</file>
-
-<file path=ppt/slides/slide8.xml><?xml version="1.0" encoding="utf-8"?>
-<p:sld xmlns:a="http://schemas.openxmlformats.org/drawingml/2006/main" xmlns:r="http://schemas.openxmlformats.org/officeDocument/2006/relationships" xmlns:p="http://schemas.openxmlformats.org/presentationml/2006/main">
-  <p:cSld>
-    <p:spTree>
-      <p:nvGrpSpPr>
-        <p:cNvPr id="1" name=""/>
-        <p:cNvGrpSpPr/>
-        <p:nvPr/>
-      </p:nvGrpSpPr>
-      <p:grpSpPr>
-        <a:xfrm>
-          <a:off x="0" y="0"/>
-          <a:ext cx="0" cy="0"/>
-          <a:chOff x="0" y="0"/>
-          <a:chExt cx="0" cy="0"/>
-        </a:xfrm>
-      </p:grpSpPr>
-      <p:sp>
-        <p:nvSpPr>
-          <p:cNvPr id="39" name="正方形/長方形 38"/>
-          <p:cNvSpPr/>
-          <p:nvPr/>
-        </p:nvSpPr>
-        <p:spPr>
-          <a:xfrm>
-            <a:off x="1961878" y="2634760"/>
-            <a:ext cx="8377876" cy="1548072"/>
-          </a:xfrm>
-          <a:prstGeom prst="rect">
-            <a:avLst/>
-          </a:prstGeom>
-        </p:spPr>
-        <p:style>
-          <a:lnRef idx="2">
-            <a:schemeClr val="dk1"/>
-          </a:lnRef>
-          <a:fillRef idx="1">
-            <a:schemeClr val="lt1"/>
-          </a:fillRef>
-          <a:effectRef idx="0">
-            <a:schemeClr val="dk1"/>
-          </a:effectRef>
-          <a:fontRef idx="minor">
-            <a:schemeClr val="dk1"/>
-          </a:fontRef>
-        </p:style>
-        <p:txBody>
-          <a:bodyPr rtlCol="0" anchor="ctr"/>
-          <a:lstStyle/>
-          <a:p>
-            <a:pPr algn="ctr"/>
-            <a:endParaRPr kumimoji="1" lang="ja-JP" altLang="en-US"/>
-          </a:p>
-        </p:txBody>
-      </p:sp>
-      <p:sp>
-        <p:nvSpPr>
-          <p:cNvPr id="71" name="正方形/長方形 70"/>
-          <p:cNvSpPr/>
-          <p:nvPr/>
-        </p:nvSpPr>
-        <p:spPr>
-          <a:xfrm>
-            <a:off x="2660214" y="3229572"/>
-            <a:ext cx="7241878" cy="891055"/>
-          </a:xfrm>
-          <a:prstGeom prst="rect">
-            <a:avLst/>
-          </a:prstGeom>
-        </p:spPr>
-        <p:style>
-          <a:lnRef idx="2">
-            <a:schemeClr val="dk1"/>
-          </a:lnRef>
-          <a:fillRef idx="1">
-            <a:schemeClr val="lt1"/>
-          </a:fillRef>
-          <a:effectRef idx="0">
-            <a:schemeClr val="dk1"/>
-          </a:effectRef>
-          <a:fontRef idx="minor">
-            <a:schemeClr val="dk1"/>
-          </a:fontRef>
-        </p:style>
-        <p:txBody>
-          <a:bodyPr rtlCol="0" anchor="ctr"/>
-          <a:lstStyle/>
-          <a:p>
-            <a:pPr algn="ctr"/>
-            <a:endParaRPr kumimoji="1" lang="ja-JP" altLang="en-US"/>
-          </a:p>
-        </p:txBody>
-      </p:sp>
-      <p:sp>
-        <p:nvSpPr>
-          <p:cNvPr id="51" name="正方形/長方形 50"/>
-          <p:cNvSpPr/>
-          <p:nvPr/>
-        </p:nvSpPr>
-        <p:spPr>
-          <a:xfrm>
-            <a:off x="2554197" y="4555424"/>
-            <a:ext cx="5112696" cy="1579653"/>
-          </a:xfrm>
-          <a:prstGeom prst="rect">
-            <a:avLst/>
-          </a:prstGeom>
-        </p:spPr>
-        <p:style>
-          <a:lnRef idx="2">
-            <a:schemeClr val="dk1"/>
-          </a:lnRef>
-          <a:fillRef idx="1">
-            <a:schemeClr val="lt1"/>
-          </a:fillRef>
-          <a:effectRef idx="0">
-            <a:schemeClr val="dk1"/>
-          </a:effectRef>
-          <a:fontRef idx="minor">
-            <a:schemeClr val="dk1"/>
-          </a:fontRef>
-        </p:style>
-        <p:txBody>
-          <a:bodyPr rtlCol="0" anchor="ctr"/>
-          <a:lstStyle/>
-          <a:p>
-            <a:pPr algn="ctr"/>
-            <a:endParaRPr kumimoji="1" lang="ja-JP" altLang="en-US"/>
-          </a:p>
-        </p:txBody>
-      </p:sp>
-      <p:sp>
-        <p:nvSpPr>
-          <p:cNvPr id="38" name="正方形/長方形 37"/>
-          <p:cNvSpPr/>
-          <p:nvPr/>
-        </p:nvSpPr>
-        <p:spPr>
-          <a:xfrm>
-            <a:off x="1258276" y="657005"/>
-            <a:ext cx="6729045" cy="1834522"/>
-          </a:xfrm>
-          <a:prstGeom prst="rect">
-            <a:avLst/>
-          </a:prstGeom>
-        </p:spPr>
-        <p:style>
-          <a:lnRef idx="2">
-            <a:schemeClr val="dk1"/>
-          </a:lnRef>
-          <a:fillRef idx="1">
-            <a:schemeClr val="lt1"/>
-          </a:fillRef>
-          <a:effectRef idx="0">
-            <a:schemeClr val="dk1"/>
-          </a:effectRef>
-          <a:fontRef idx="minor">
-            <a:schemeClr val="dk1"/>
-          </a:fontRef>
-        </p:style>
-        <p:txBody>
-          <a:bodyPr rtlCol="0" anchor="ctr"/>
-          <a:lstStyle/>
-          <a:p>
-            <a:pPr algn="ctr"/>
-            <a:endParaRPr kumimoji="1" lang="ja-JP" altLang="en-US"/>
-          </a:p>
-        </p:txBody>
-      </p:sp>
-      <p:sp>
-        <p:nvSpPr>
-          <p:cNvPr id="2" name="正方形/長方形 1"/>
-          <p:cNvSpPr/>
-          <p:nvPr/>
-        </p:nvSpPr>
-        <p:spPr>
-          <a:xfrm>
-            <a:off x="1988219" y="782076"/>
-            <a:ext cx="2433680" cy="369332"/>
-          </a:xfrm>
-          <a:prstGeom prst="rect">
-            <a:avLst/>
-          </a:prstGeom>
-          <a:solidFill>
-            <a:schemeClr val="bg1"/>
-          </a:solidFill>
-        </p:spPr>
-        <p:txBody>
-          <a:bodyPr wrap="none">
-            <a:spAutoFit/>
-          </a:bodyPr>
-          <a:lstStyle/>
-          <a:p>
-            <a:r>
-              <a:rPr lang="ja-JP" altLang="en-US" dirty="0"/>
-              <a:t>main_find_fixedPoint.m</a:t>
-            </a:r>
-          </a:p>
-        </p:txBody>
-      </p:sp>
-      <p:grpSp>
-        <p:nvGrpSpPr>
-          <p:cNvPr id="3" name="グループ化 2"/>
-          <p:cNvGrpSpPr/>
-          <p:nvPr/>
-        </p:nvGrpSpPr>
-        <p:grpSpPr>
-          <a:xfrm>
-            <a:off x="1602700" y="782076"/>
-            <a:ext cx="283490" cy="418530"/>
-            <a:chOff x="6257925" y="737790"/>
-            <a:chExt cx="552450" cy="815609"/>
-          </a:xfrm>
-          <a:solidFill>
-            <a:schemeClr val="bg1"/>
-          </a:solidFill>
-        </p:grpSpPr>
-        <p:sp>
-          <p:nvSpPr>
-            <p:cNvPr id="4" name="正方形/長方形 3"/>
-            <p:cNvSpPr/>
-            <p:nvPr/>
-          </p:nvSpPr>
-          <p:spPr>
-            <a:xfrm>
-              <a:off x="6257925" y="737791"/>
-              <a:ext cx="552450" cy="815608"/>
-            </a:xfrm>
-            <a:prstGeom prst="rect">
-              <a:avLst/>
-            </a:prstGeom>
-            <a:grpFill/>
-            <a:ln>
-              <a:solidFill>
-                <a:schemeClr val="bg1">
-                  <a:lumMod val="50000"/>
-                </a:schemeClr>
-              </a:solidFill>
-            </a:ln>
-          </p:spPr>
-          <p:style>
-            <a:lnRef idx="2">
-              <a:schemeClr val="accent1"/>
-            </a:lnRef>
-            <a:fillRef idx="1">
-              <a:schemeClr val="lt1"/>
-            </a:fillRef>
-            <a:effectRef idx="0">
-              <a:schemeClr val="accent1"/>
-            </a:effectRef>
-            <a:fontRef idx="minor">
-              <a:schemeClr val="dk1"/>
-            </a:fontRef>
-          </p:style>
-          <p:txBody>
-            <a:bodyPr rtlCol="0" anchor="ctr"/>
-            <a:lstStyle/>
-            <a:p>
-              <a:pPr algn="ctr"/>
-              <a:endParaRPr kumimoji="1" lang="ja-JP" altLang="en-US"/>
-            </a:p>
-          </p:txBody>
-        </p:sp>
-        <p:sp>
-          <p:nvSpPr>
-            <p:cNvPr id="5" name="直角三角形 4"/>
-            <p:cNvSpPr/>
-            <p:nvPr/>
-          </p:nvSpPr>
-          <p:spPr>
-            <a:xfrm rot="10800000">
-              <a:off x="6639533" y="737790"/>
-              <a:ext cx="170842" cy="187065"/>
-            </a:xfrm>
-            <a:prstGeom prst="rtTriangle">
-              <a:avLst/>
-            </a:prstGeom>
-            <a:grpFill/>
-            <a:ln>
-              <a:solidFill>
-                <a:schemeClr val="bg1">
-                  <a:lumMod val="50000"/>
-                </a:schemeClr>
-              </a:solidFill>
-            </a:ln>
-          </p:spPr>
-          <p:style>
-            <a:lnRef idx="2">
-              <a:schemeClr val="accent1"/>
-            </a:lnRef>
-            <a:fillRef idx="1">
-              <a:schemeClr val="lt1"/>
-            </a:fillRef>
-            <a:effectRef idx="0">
-              <a:schemeClr val="accent1"/>
-            </a:effectRef>
-            <a:fontRef idx="minor">
-              <a:schemeClr val="dk1"/>
-            </a:fontRef>
-          </p:style>
-          <p:txBody>
-            <a:bodyPr rtlCol="0" anchor="ctr"/>
-            <a:lstStyle/>
-            <a:p>
-              <a:pPr algn="ctr"/>
-              <a:endParaRPr kumimoji="1" lang="ja-JP" altLang="en-US"/>
-            </a:p>
-          </p:txBody>
-        </p:sp>
-        <p:cxnSp>
-          <p:nvCxnSpPr>
-            <p:cNvPr id="6" name="直線コネクタ 5"/>
-            <p:cNvCxnSpPr/>
-            <p:nvPr/>
-          </p:nvCxnSpPr>
-          <p:spPr>
-            <a:xfrm>
-              <a:off x="6337356" y="924856"/>
-              <a:ext cx="349194" cy="0"/>
-            </a:xfrm>
-            <a:prstGeom prst="line">
-              <a:avLst/>
-            </a:prstGeom>
-            <a:grpFill/>
-            <a:ln>
-              <a:solidFill>
-                <a:schemeClr val="bg1">
-                  <a:lumMod val="50000"/>
-                </a:schemeClr>
-              </a:solidFill>
-            </a:ln>
-          </p:spPr>
-          <p:style>
-            <a:lnRef idx="2">
-              <a:schemeClr val="accent1"/>
-            </a:lnRef>
-            <a:fillRef idx="1">
-              <a:schemeClr val="lt1"/>
-            </a:fillRef>
-            <a:effectRef idx="0">
-              <a:schemeClr val="accent1"/>
-            </a:effectRef>
-            <a:fontRef idx="minor">
-              <a:schemeClr val="dk1"/>
-            </a:fontRef>
-          </p:style>
-        </p:cxnSp>
-        <p:cxnSp>
-          <p:nvCxnSpPr>
-            <p:cNvPr id="7" name="直線コネクタ 6"/>
-            <p:cNvCxnSpPr/>
-            <p:nvPr/>
-          </p:nvCxnSpPr>
-          <p:spPr>
-            <a:xfrm>
-              <a:off x="6337356" y="1055216"/>
-              <a:ext cx="349194" cy="0"/>
-            </a:xfrm>
-            <a:prstGeom prst="line">
-              <a:avLst/>
-            </a:prstGeom>
-            <a:grpFill/>
-            <a:ln>
-              <a:solidFill>
-                <a:schemeClr val="bg1">
-                  <a:lumMod val="50000"/>
-                </a:schemeClr>
-              </a:solidFill>
-            </a:ln>
-          </p:spPr>
-          <p:style>
-            <a:lnRef idx="2">
-              <a:schemeClr val="accent1"/>
-            </a:lnRef>
-            <a:fillRef idx="1">
-              <a:schemeClr val="lt1"/>
-            </a:fillRef>
-            <a:effectRef idx="0">
-              <a:schemeClr val="accent1"/>
-            </a:effectRef>
-            <a:fontRef idx="minor">
-              <a:schemeClr val="dk1"/>
-            </a:fontRef>
-          </p:style>
-        </p:cxnSp>
-        <p:cxnSp>
-          <p:nvCxnSpPr>
-            <p:cNvPr id="8" name="直線コネクタ 7"/>
-            <p:cNvCxnSpPr/>
-            <p:nvPr/>
-          </p:nvCxnSpPr>
-          <p:spPr>
-            <a:xfrm>
-              <a:off x="6337356" y="1185576"/>
-              <a:ext cx="349194" cy="0"/>
-            </a:xfrm>
-            <a:prstGeom prst="line">
-              <a:avLst/>
-            </a:prstGeom>
-            <a:grpFill/>
-            <a:ln>
-              <a:solidFill>
-                <a:schemeClr val="bg1">
-                  <a:lumMod val="50000"/>
-                </a:schemeClr>
-              </a:solidFill>
-            </a:ln>
-          </p:spPr>
-          <p:style>
-            <a:lnRef idx="2">
-              <a:schemeClr val="accent1"/>
-            </a:lnRef>
-            <a:fillRef idx="1">
-              <a:schemeClr val="lt1"/>
-            </a:fillRef>
-            <a:effectRef idx="0">
-              <a:schemeClr val="accent1"/>
-            </a:effectRef>
-            <a:fontRef idx="minor">
-              <a:schemeClr val="dk1"/>
-            </a:fontRef>
-          </p:style>
-        </p:cxnSp>
-        <p:cxnSp>
-          <p:nvCxnSpPr>
-            <p:cNvPr id="9" name="直線コネクタ 8"/>
-            <p:cNvCxnSpPr/>
-            <p:nvPr/>
-          </p:nvCxnSpPr>
-          <p:spPr>
-            <a:xfrm>
-              <a:off x="6337356" y="1315936"/>
-              <a:ext cx="349194" cy="0"/>
-            </a:xfrm>
-            <a:prstGeom prst="line">
-              <a:avLst/>
-            </a:prstGeom>
-            <a:grpFill/>
-            <a:ln>
-              <a:solidFill>
-                <a:schemeClr val="bg1">
-                  <a:lumMod val="50000"/>
-                </a:schemeClr>
-              </a:solidFill>
-            </a:ln>
-          </p:spPr>
-          <p:style>
-            <a:lnRef idx="2">
-              <a:schemeClr val="accent1"/>
-            </a:lnRef>
-            <a:fillRef idx="1">
-              <a:schemeClr val="lt1"/>
-            </a:fillRef>
-            <a:effectRef idx="0">
-              <a:schemeClr val="accent1"/>
-            </a:effectRef>
-            <a:fontRef idx="minor">
-              <a:schemeClr val="dk1"/>
-            </a:fontRef>
-          </p:style>
-        </p:cxnSp>
-        <p:cxnSp>
-          <p:nvCxnSpPr>
-            <p:cNvPr id="10" name="直線コネクタ 9"/>
-            <p:cNvCxnSpPr/>
-            <p:nvPr/>
-          </p:nvCxnSpPr>
-          <p:spPr>
-            <a:xfrm>
-              <a:off x="6337356" y="1446294"/>
-              <a:ext cx="349194" cy="0"/>
-            </a:xfrm>
-            <a:prstGeom prst="line">
-              <a:avLst/>
-            </a:prstGeom>
-            <a:grpFill/>
-            <a:ln>
-              <a:solidFill>
-                <a:schemeClr val="bg1">
-                  <a:lumMod val="50000"/>
-                </a:schemeClr>
-              </a:solidFill>
-            </a:ln>
-          </p:spPr>
-          <p:style>
-            <a:lnRef idx="2">
-              <a:schemeClr val="accent1"/>
-            </a:lnRef>
-            <a:fillRef idx="1">
-              <a:schemeClr val="lt1"/>
-            </a:fillRef>
-            <a:effectRef idx="0">
-              <a:schemeClr val="accent1"/>
-            </a:effectRef>
-            <a:fontRef idx="minor">
-              <a:schemeClr val="dk1"/>
-            </a:fontRef>
-          </p:style>
-        </p:cxnSp>
-      </p:grpSp>
-      <p:sp>
-        <p:nvSpPr>
-          <p:cNvPr id="11" name="正方形/長方形 10"/>
-          <p:cNvSpPr/>
-          <p:nvPr/>
-        </p:nvSpPr>
-        <p:spPr>
-          <a:xfrm>
-            <a:off x="2554196" y="2766416"/>
-            <a:ext cx="2335896" cy="369332"/>
-          </a:xfrm>
-          <a:prstGeom prst="rect">
-            <a:avLst/>
-          </a:prstGeom>
-        </p:spPr>
-        <p:txBody>
-          <a:bodyPr wrap="none">
-            <a:spAutoFit/>
-          </a:bodyPr>
-          <a:lstStyle/>
-          <a:p>
-            <a:r>
-              <a:rPr lang="en-US" altLang="ja-JP" dirty="0" err="1">
-                <a:latin typeface="+mn-ea"/>
-              </a:rPr>
-              <a:t>func_find_fixedPoint.m</a:t>
-            </a:r>
-            <a:endParaRPr lang="en-US" altLang="ja-JP" b="0" dirty="0">
-              <a:effectLst/>
-              <a:latin typeface="+mn-ea"/>
-            </a:endParaRPr>
-          </a:p>
-        </p:txBody>
-      </p:sp>
-      <p:grpSp>
-        <p:nvGrpSpPr>
-          <p:cNvPr id="12" name="グループ化 11"/>
-          <p:cNvGrpSpPr/>
-          <p:nvPr/>
-        </p:nvGrpSpPr>
-        <p:grpSpPr>
-          <a:xfrm>
-            <a:off x="2197086" y="2741817"/>
-            <a:ext cx="283490" cy="418530"/>
-            <a:chOff x="6257925" y="737790"/>
-            <a:chExt cx="552450" cy="815609"/>
-          </a:xfrm>
-        </p:grpSpPr>
-        <p:sp>
-          <p:nvSpPr>
-            <p:cNvPr id="13" name="正方形/長方形 12"/>
-            <p:cNvSpPr/>
-            <p:nvPr/>
-          </p:nvSpPr>
-          <p:spPr>
-            <a:xfrm>
-              <a:off x="6257925" y="737791"/>
-              <a:ext cx="552450" cy="815608"/>
-            </a:xfrm>
-            <a:prstGeom prst="rect">
-              <a:avLst/>
-            </a:prstGeom>
-            <a:ln>
-              <a:solidFill>
-                <a:schemeClr val="bg1">
-                  <a:lumMod val="50000"/>
-                </a:schemeClr>
-              </a:solidFill>
-            </a:ln>
-          </p:spPr>
-          <p:style>
-            <a:lnRef idx="2">
-              <a:schemeClr val="accent1"/>
-            </a:lnRef>
-            <a:fillRef idx="1">
-              <a:schemeClr val="lt1"/>
-            </a:fillRef>
-            <a:effectRef idx="0">
-              <a:schemeClr val="accent1"/>
-            </a:effectRef>
-            <a:fontRef idx="minor">
-              <a:schemeClr val="dk1"/>
-            </a:fontRef>
-          </p:style>
-          <p:txBody>
-            <a:bodyPr rtlCol="0" anchor="ctr"/>
-            <a:lstStyle/>
-            <a:p>
-              <a:pPr algn="ctr"/>
-              <a:endParaRPr kumimoji="1" lang="ja-JP" altLang="en-US"/>
-            </a:p>
-          </p:txBody>
-        </p:sp>
-        <p:sp>
-          <p:nvSpPr>
-            <p:cNvPr id="14" name="直角三角形 13"/>
-            <p:cNvSpPr/>
-            <p:nvPr/>
-          </p:nvSpPr>
-          <p:spPr>
-            <a:xfrm rot="10800000">
-              <a:off x="6639533" y="737790"/>
-              <a:ext cx="170842" cy="187065"/>
-            </a:xfrm>
-            <a:prstGeom prst="rtTriangle">
-              <a:avLst/>
-            </a:prstGeom>
-            <a:ln>
-              <a:solidFill>
-                <a:schemeClr val="bg1">
-                  <a:lumMod val="50000"/>
-                </a:schemeClr>
-              </a:solidFill>
-            </a:ln>
-          </p:spPr>
-          <p:style>
-            <a:lnRef idx="2">
-              <a:schemeClr val="accent1"/>
-            </a:lnRef>
-            <a:fillRef idx="1">
-              <a:schemeClr val="lt1"/>
-            </a:fillRef>
-            <a:effectRef idx="0">
-              <a:schemeClr val="accent1"/>
-            </a:effectRef>
-            <a:fontRef idx="minor">
-              <a:schemeClr val="dk1"/>
-            </a:fontRef>
-          </p:style>
-          <p:txBody>
-            <a:bodyPr rtlCol="0" anchor="ctr"/>
-            <a:lstStyle/>
-            <a:p>
-              <a:pPr algn="ctr"/>
-              <a:endParaRPr kumimoji="1" lang="ja-JP" altLang="en-US"/>
-            </a:p>
-          </p:txBody>
-        </p:sp>
-        <p:cxnSp>
-          <p:nvCxnSpPr>
-            <p:cNvPr id="15" name="直線コネクタ 14"/>
-            <p:cNvCxnSpPr/>
-            <p:nvPr/>
-          </p:nvCxnSpPr>
-          <p:spPr>
-            <a:xfrm>
-              <a:off x="6337356" y="924856"/>
-              <a:ext cx="349194" cy="0"/>
-            </a:xfrm>
-            <a:prstGeom prst="line">
-              <a:avLst/>
-            </a:prstGeom>
-            <a:ln>
-              <a:solidFill>
-                <a:schemeClr val="bg1">
-                  <a:lumMod val="50000"/>
-                </a:schemeClr>
-              </a:solidFill>
-            </a:ln>
-          </p:spPr>
-          <p:style>
-            <a:lnRef idx="2">
-              <a:schemeClr val="accent1"/>
-            </a:lnRef>
-            <a:fillRef idx="1">
-              <a:schemeClr val="lt1"/>
-            </a:fillRef>
-            <a:effectRef idx="0">
-              <a:schemeClr val="accent1"/>
-            </a:effectRef>
-            <a:fontRef idx="minor">
-              <a:schemeClr val="dk1"/>
-            </a:fontRef>
-          </p:style>
-        </p:cxnSp>
-        <p:cxnSp>
-          <p:nvCxnSpPr>
-            <p:cNvPr id="16" name="直線コネクタ 15"/>
-            <p:cNvCxnSpPr/>
-            <p:nvPr/>
-          </p:nvCxnSpPr>
-          <p:spPr>
-            <a:xfrm>
-              <a:off x="6337356" y="1055216"/>
-              <a:ext cx="349194" cy="0"/>
-            </a:xfrm>
-            <a:prstGeom prst="line">
-              <a:avLst/>
-            </a:prstGeom>
-            <a:ln>
-              <a:solidFill>
-                <a:schemeClr val="bg1">
-                  <a:lumMod val="50000"/>
-                </a:schemeClr>
-              </a:solidFill>
-            </a:ln>
-          </p:spPr>
-          <p:style>
-            <a:lnRef idx="2">
-              <a:schemeClr val="accent1"/>
-            </a:lnRef>
-            <a:fillRef idx="1">
-              <a:schemeClr val="lt1"/>
-            </a:fillRef>
-            <a:effectRef idx="0">
-              <a:schemeClr val="accent1"/>
-            </a:effectRef>
-            <a:fontRef idx="minor">
-              <a:schemeClr val="dk1"/>
-            </a:fontRef>
-          </p:style>
-        </p:cxnSp>
-        <p:cxnSp>
-          <p:nvCxnSpPr>
-            <p:cNvPr id="17" name="直線コネクタ 16"/>
-            <p:cNvCxnSpPr/>
-            <p:nvPr/>
-          </p:nvCxnSpPr>
-          <p:spPr>
-            <a:xfrm>
-              <a:off x="6337356" y="1185576"/>
-              <a:ext cx="349194" cy="0"/>
-            </a:xfrm>
-            <a:prstGeom prst="line">
-              <a:avLst/>
-            </a:prstGeom>
-            <a:ln>
-              <a:solidFill>
-                <a:schemeClr val="bg1">
-                  <a:lumMod val="50000"/>
-                </a:schemeClr>
-              </a:solidFill>
-            </a:ln>
-          </p:spPr>
-          <p:style>
-            <a:lnRef idx="2">
-              <a:schemeClr val="accent1"/>
-            </a:lnRef>
-            <a:fillRef idx="1">
-              <a:schemeClr val="lt1"/>
-            </a:fillRef>
-            <a:effectRef idx="0">
-              <a:schemeClr val="accent1"/>
-            </a:effectRef>
-            <a:fontRef idx="minor">
-              <a:schemeClr val="dk1"/>
-            </a:fontRef>
-          </p:style>
-        </p:cxnSp>
-        <p:cxnSp>
-          <p:nvCxnSpPr>
-            <p:cNvPr id="18" name="直線コネクタ 17"/>
-            <p:cNvCxnSpPr/>
-            <p:nvPr/>
-          </p:nvCxnSpPr>
-          <p:spPr>
-            <a:xfrm>
-              <a:off x="6337356" y="1315936"/>
-              <a:ext cx="349194" cy="0"/>
-            </a:xfrm>
-            <a:prstGeom prst="line">
-              <a:avLst/>
-            </a:prstGeom>
-            <a:ln>
-              <a:solidFill>
-                <a:schemeClr val="bg1">
-                  <a:lumMod val="50000"/>
-                </a:schemeClr>
-              </a:solidFill>
-            </a:ln>
-          </p:spPr>
-          <p:style>
-            <a:lnRef idx="2">
-              <a:schemeClr val="accent1"/>
-            </a:lnRef>
-            <a:fillRef idx="1">
-              <a:schemeClr val="lt1"/>
-            </a:fillRef>
-            <a:effectRef idx="0">
-              <a:schemeClr val="accent1"/>
-            </a:effectRef>
-            <a:fontRef idx="minor">
-              <a:schemeClr val="dk1"/>
-            </a:fontRef>
-          </p:style>
-        </p:cxnSp>
-        <p:cxnSp>
-          <p:nvCxnSpPr>
-            <p:cNvPr id="19" name="直線コネクタ 18"/>
-            <p:cNvCxnSpPr/>
-            <p:nvPr/>
-          </p:nvCxnSpPr>
-          <p:spPr>
-            <a:xfrm>
-              <a:off x="6337356" y="1446294"/>
-              <a:ext cx="349194" cy="0"/>
-            </a:xfrm>
-            <a:prstGeom prst="line">
-              <a:avLst/>
-            </a:prstGeom>
-            <a:ln>
-              <a:solidFill>
-                <a:schemeClr val="bg1">
-                  <a:lumMod val="50000"/>
-                </a:schemeClr>
-              </a:solidFill>
-            </a:ln>
-          </p:spPr>
-          <p:style>
-            <a:lnRef idx="2">
-              <a:schemeClr val="accent1"/>
-            </a:lnRef>
-            <a:fillRef idx="1">
-              <a:schemeClr val="lt1"/>
-            </a:fillRef>
-            <a:effectRef idx="0">
-              <a:schemeClr val="accent1"/>
-            </a:effectRef>
-            <a:fontRef idx="minor">
-              <a:schemeClr val="dk1"/>
-            </a:fontRef>
-          </p:style>
-        </p:cxnSp>
-      </p:grpSp>
-      <p:sp>
-        <p:nvSpPr>
-          <p:cNvPr id="20" name="正方形/長方形 19"/>
-          <p:cNvSpPr/>
-          <p:nvPr/>
-        </p:nvSpPr>
-        <p:spPr>
-          <a:xfrm>
-            <a:off x="8856493" y="657005"/>
-            <a:ext cx="1597938" cy="369332"/>
-          </a:xfrm>
-          <a:prstGeom prst="rect">
-            <a:avLst/>
-          </a:prstGeom>
-        </p:spPr>
-        <p:txBody>
-          <a:bodyPr wrap="none">
-            <a:spAutoFit/>
-          </a:bodyPr>
-          <a:lstStyle/>
-          <a:p>
-            <a:r>
-              <a:rPr lang="en-US" altLang="ja-JP" dirty="0" err="1"/>
-              <a:t>TwoLegRigid</a:t>
-            </a:r>
-            <a:r>
-              <a:rPr lang="ja-JP" altLang="en-US" dirty="0" err="1"/>
-              <a:t>.</a:t>
-            </a:r>
-            <a:r>
-              <a:rPr lang="ja-JP" altLang="en-US" dirty="0"/>
-              <a:t>m</a:t>
-            </a:r>
-          </a:p>
-        </p:txBody>
-      </p:sp>
-      <p:grpSp>
-        <p:nvGrpSpPr>
-          <p:cNvPr id="21" name="グループ化 20"/>
-          <p:cNvGrpSpPr/>
-          <p:nvPr/>
-        </p:nvGrpSpPr>
-        <p:grpSpPr>
-          <a:xfrm>
-            <a:off x="8470974" y="657005"/>
-            <a:ext cx="283490" cy="418530"/>
-            <a:chOff x="6257925" y="737790"/>
-            <a:chExt cx="552450" cy="815609"/>
-          </a:xfrm>
-        </p:grpSpPr>
-        <p:sp>
-          <p:nvSpPr>
-            <p:cNvPr id="22" name="正方形/長方形 21"/>
-            <p:cNvSpPr/>
-            <p:nvPr/>
-          </p:nvSpPr>
-          <p:spPr>
-            <a:xfrm>
-              <a:off x="6257925" y="737791"/>
-              <a:ext cx="552450" cy="815608"/>
-            </a:xfrm>
-            <a:prstGeom prst="rect">
-              <a:avLst/>
-            </a:prstGeom>
-            <a:ln>
-              <a:solidFill>
-                <a:schemeClr val="bg1">
-                  <a:lumMod val="50000"/>
-                </a:schemeClr>
-              </a:solidFill>
-            </a:ln>
-          </p:spPr>
-          <p:style>
-            <a:lnRef idx="2">
-              <a:schemeClr val="accent1"/>
-            </a:lnRef>
-            <a:fillRef idx="1">
-              <a:schemeClr val="lt1"/>
-            </a:fillRef>
-            <a:effectRef idx="0">
-              <a:schemeClr val="accent1"/>
-            </a:effectRef>
-            <a:fontRef idx="minor">
-              <a:schemeClr val="dk1"/>
-            </a:fontRef>
-          </p:style>
-          <p:txBody>
-            <a:bodyPr rtlCol="0" anchor="ctr"/>
-            <a:lstStyle/>
-            <a:p>
-              <a:pPr algn="ctr"/>
-              <a:endParaRPr kumimoji="1" lang="ja-JP" altLang="en-US"/>
-            </a:p>
-          </p:txBody>
-        </p:sp>
-        <p:sp>
-          <p:nvSpPr>
-            <p:cNvPr id="23" name="直角三角形 22"/>
-            <p:cNvSpPr/>
-            <p:nvPr/>
-          </p:nvSpPr>
-          <p:spPr>
-            <a:xfrm rot="10800000">
-              <a:off x="6639533" y="737790"/>
-              <a:ext cx="170842" cy="187065"/>
-            </a:xfrm>
-            <a:prstGeom prst="rtTriangle">
-              <a:avLst/>
-            </a:prstGeom>
-            <a:ln>
-              <a:solidFill>
-                <a:schemeClr val="bg1">
-                  <a:lumMod val="50000"/>
-                </a:schemeClr>
-              </a:solidFill>
-            </a:ln>
-          </p:spPr>
-          <p:style>
-            <a:lnRef idx="2">
-              <a:schemeClr val="accent1"/>
-            </a:lnRef>
-            <a:fillRef idx="1">
-              <a:schemeClr val="lt1"/>
-            </a:fillRef>
-            <a:effectRef idx="0">
-              <a:schemeClr val="accent1"/>
-            </a:effectRef>
-            <a:fontRef idx="minor">
-              <a:schemeClr val="dk1"/>
-            </a:fontRef>
-          </p:style>
-          <p:txBody>
-            <a:bodyPr rtlCol="0" anchor="ctr"/>
-            <a:lstStyle/>
-            <a:p>
-              <a:pPr algn="ctr"/>
-              <a:endParaRPr kumimoji="1" lang="ja-JP" altLang="en-US"/>
-            </a:p>
-          </p:txBody>
-        </p:sp>
-        <p:cxnSp>
-          <p:nvCxnSpPr>
-            <p:cNvPr id="24" name="直線コネクタ 23"/>
-            <p:cNvCxnSpPr/>
-            <p:nvPr/>
-          </p:nvCxnSpPr>
-          <p:spPr>
-            <a:xfrm>
-              <a:off x="6337356" y="924856"/>
-              <a:ext cx="349194" cy="0"/>
-            </a:xfrm>
-            <a:prstGeom prst="line">
-              <a:avLst/>
-            </a:prstGeom>
-            <a:ln>
-              <a:solidFill>
-                <a:schemeClr val="bg1">
-                  <a:lumMod val="50000"/>
-                </a:schemeClr>
-              </a:solidFill>
-            </a:ln>
-          </p:spPr>
-          <p:style>
-            <a:lnRef idx="2">
-              <a:schemeClr val="accent1"/>
-            </a:lnRef>
-            <a:fillRef idx="1">
-              <a:schemeClr val="lt1"/>
-            </a:fillRef>
-            <a:effectRef idx="0">
-              <a:schemeClr val="accent1"/>
-            </a:effectRef>
-            <a:fontRef idx="minor">
-              <a:schemeClr val="dk1"/>
-            </a:fontRef>
-          </p:style>
-        </p:cxnSp>
-        <p:cxnSp>
-          <p:nvCxnSpPr>
-            <p:cNvPr id="25" name="直線コネクタ 24"/>
-            <p:cNvCxnSpPr/>
-            <p:nvPr/>
-          </p:nvCxnSpPr>
-          <p:spPr>
-            <a:xfrm>
-              <a:off x="6337356" y="1055216"/>
-              <a:ext cx="349194" cy="0"/>
-            </a:xfrm>
-            <a:prstGeom prst="line">
-              <a:avLst/>
-            </a:prstGeom>
-            <a:ln>
-              <a:solidFill>
-                <a:schemeClr val="bg1">
-                  <a:lumMod val="50000"/>
-                </a:schemeClr>
-              </a:solidFill>
-            </a:ln>
-          </p:spPr>
-          <p:style>
-            <a:lnRef idx="2">
-              <a:schemeClr val="accent1"/>
-            </a:lnRef>
-            <a:fillRef idx="1">
-              <a:schemeClr val="lt1"/>
-            </a:fillRef>
-            <a:effectRef idx="0">
-              <a:schemeClr val="accent1"/>
-            </a:effectRef>
-            <a:fontRef idx="minor">
-              <a:schemeClr val="dk1"/>
-            </a:fontRef>
-          </p:style>
-        </p:cxnSp>
-        <p:cxnSp>
-          <p:nvCxnSpPr>
-            <p:cNvPr id="26" name="直線コネクタ 25"/>
-            <p:cNvCxnSpPr/>
-            <p:nvPr/>
-          </p:nvCxnSpPr>
-          <p:spPr>
-            <a:xfrm>
-              <a:off x="6337356" y="1185576"/>
-              <a:ext cx="349194" cy="0"/>
-            </a:xfrm>
-            <a:prstGeom prst="line">
-              <a:avLst/>
-            </a:prstGeom>
-            <a:ln>
-              <a:solidFill>
-                <a:schemeClr val="bg1">
-                  <a:lumMod val="50000"/>
-                </a:schemeClr>
-              </a:solidFill>
-            </a:ln>
-          </p:spPr>
-          <p:style>
-            <a:lnRef idx="2">
-              <a:schemeClr val="accent1"/>
-            </a:lnRef>
-            <a:fillRef idx="1">
-              <a:schemeClr val="lt1"/>
-            </a:fillRef>
-            <a:effectRef idx="0">
-              <a:schemeClr val="accent1"/>
-            </a:effectRef>
-            <a:fontRef idx="minor">
-              <a:schemeClr val="dk1"/>
-            </a:fontRef>
-          </p:style>
-        </p:cxnSp>
-        <p:cxnSp>
-          <p:nvCxnSpPr>
-            <p:cNvPr id="27" name="直線コネクタ 26"/>
-            <p:cNvCxnSpPr/>
-            <p:nvPr/>
-          </p:nvCxnSpPr>
-          <p:spPr>
-            <a:xfrm>
-              <a:off x="6337356" y="1315936"/>
-              <a:ext cx="349194" cy="0"/>
-            </a:xfrm>
-            <a:prstGeom prst="line">
-              <a:avLst/>
-            </a:prstGeom>
-            <a:ln>
-              <a:solidFill>
-                <a:schemeClr val="bg1">
-                  <a:lumMod val="50000"/>
-                </a:schemeClr>
-              </a:solidFill>
-            </a:ln>
-          </p:spPr>
-          <p:style>
-            <a:lnRef idx="2">
-              <a:schemeClr val="accent1"/>
-            </a:lnRef>
-            <a:fillRef idx="1">
-              <a:schemeClr val="lt1"/>
-            </a:fillRef>
-            <a:effectRef idx="0">
-              <a:schemeClr val="accent1"/>
-            </a:effectRef>
-            <a:fontRef idx="minor">
-              <a:schemeClr val="dk1"/>
-            </a:fontRef>
-          </p:style>
-        </p:cxnSp>
-        <p:cxnSp>
-          <p:nvCxnSpPr>
-            <p:cNvPr id="28" name="直線コネクタ 27"/>
-            <p:cNvCxnSpPr/>
-            <p:nvPr/>
-          </p:nvCxnSpPr>
-          <p:spPr>
-            <a:xfrm>
-              <a:off x="6337356" y="1446294"/>
-              <a:ext cx="349194" cy="0"/>
-            </a:xfrm>
-            <a:prstGeom prst="line">
-              <a:avLst/>
-            </a:prstGeom>
-            <a:ln>
-              <a:solidFill>
-                <a:schemeClr val="bg1">
-                  <a:lumMod val="50000"/>
-                </a:schemeClr>
-              </a:solidFill>
-            </a:ln>
-          </p:spPr>
-          <p:style>
-            <a:lnRef idx="2">
-              <a:schemeClr val="accent1"/>
-            </a:lnRef>
-            <a:fillRef idx="1">
-              <a:schemeClr val="lt1"/>
-            </a:fillRef>
-            <a:effectRef idx="0">
-              <a:schemeClr val="accent1"/>
-            </a:effectRef>
-            <a:fontRef idx="minor">
-              <a:schemeClr val="dk1"/>
-            </a:fontRef>
-          </p:style>
-        </p:cxnSp>
-      </p:grpSp>
-      <p:sp>
-        <p:nvSpPr>
-          <p:cNvPr id="30" name="正方形/長方形 29"/>
-          <p:cNvSpPr/>
-          <p:nvPr/>
-        </p:nvSpPr>
-        <p:spPr>
-          <a:xfrm>
-            <a:off x="2100546" y="1371339"/>
-            <a:ext cx="3267241" cy="646331"/>
-          </a:xfrm>
-          <a:prstGeom prst="rect">
-            <a:avLst/>
-          </a:prstGeom>
-        </p:spPr>
-        <p:txBody>
-          <a:bodyPr wrap="none">
-            <a:spAutoFit/>
-          </a:bodyPr>
-          <a:lstStyle/>
-          <a:p>
-            <a:pPr marL="342900" indent="-342900">
-              <a:buFont typeface="+mj-lt"/>
-              <a:buAutoNum type="arabicPeriod"/>
-            </a:pPr>
-            <a:r>
-              <a:rPr lang="ja-JP" altLang="en-US" dirty="0"/>
-              <a:t>ロボットモデルの実現</a:t>
-            </a:r>
-            <a:endParaRPr lang="en-US" altLang="ja-JP" dirty="0"/>
-          </a:p>
-          <a:p>
-            <a:pPr marL="342900" indent="-342900">
-              <a:buFont typeface="+mj-lt"/>
-              <a:buAutoNum type="arabicPeriod"/>
-            </a:pPr>
-            <a:r>
-              <a:rPr lang="ja-JP" altLang="en-US" dirty="0"/>
-              <a:t>周期解探索の初期値を設定</a:t>
-            </a:r>
-          </a:p>
-        </p:txBody>
-      </p:sp>
-      <p:cxnSp>
-        <p:nvCxnSpPr>
-          <p:cNvPr id="34" name="カギ線コネクタ 33"/>
-          <p:cNvCxnSpPr>
-            <a:stCxn id="4" idx="2"/>
-            <a:endCxn id="13" idx="1"/>
-          </p:cNvCxnSpPr>
-          <p:nvPr/>
-        </p:nvCxnSpPr>
-        <p:spPr>
-          <a:xfrm rot="16200000" flipH="1">
-            <a:off x="1095527" y="1849523"/>
-            <a:ext cx="1750477" cy="452641"/>
-          </a:xfrm>
-          <a:prstGeom prst="bentConnector2">
-            <a:avLst/>
-          </a:prstGeom>
-          <a:ln>
-            <a:tailEnd type="triangle"/>
-          </a:ln>
-        </p:spPr>
-        <p:style>
-          <a:lnRef idx="1">
-            <a:schemeClr val="accent1"/>
-          </a:lnRef>
-          <a:fillRef idx="0">
-            <a:schemeClr val="accent1"/>
-          </a:fillRef>
-          <a:effectRef idx="0">
-            <a:schemeClr val="accent1"/>
-          </a:effectRef>
-          <a:fontRef idx="minor">
-            <a:schemeClr val="tx1"/>
-          </a:fontRef>
-        </p:style>
-      </p:cxnSp>
-      <p:cxnSp>
-        <p:nvCxnSpPr>
-          <p:cNvPr id="36" name="カギ線コネクタ 35"/>
-          <p:cNvCxnSpPr>
-            <a:stCxn id="22" idx="2"/>
-          </p:cNvCxnSpPr>
-          <p:nvPr/>
-        </p:nvCxnSpPr>
-        <p:spPr>
-          <a:xfrm rot="5400000">
-            <a:off x="6458005" y="-630715"/>
-            <a:ext cx="448465" cy="3860965"/>
-          </a:xfrm>
-          <a:prstGeom prst="bentConnector2">
-            <a:avLst/>
-          </a:prstGeom>
-          <a:ln>
-            <a:tailEnd type="triangle"/>
-          </a:ln>
-        </p:spPr>
-        <p:style>
-          <a:lnRef idx="1">
-            <a:schemeClr val="accent1"/>
-          </a:lnRef>
-          <a:fillRef idx="0">
-            <a:schemeClr val="accent1"/>
-          </a:fillRef>
-          <a:effectRef idx="0">
-            <a:schemeClr val="accent1"/>
-          </a:effectRef>
-          <a:fontRef idx="minor">
-            <a:schemeClr val="tx1"/>
-          </a:fontRef>
-        </p:style>
-      </p:cxnSp>
-      <p:sp>
-        <p:nvSpPr>
-          <p:cNvPr id="40" name="テキスト ボックス 39"/>
-          <p:cNvSpPr txBox="1"/>
-          <p:nvPr/>
-        </p:nvSpPr>
-        <p:spPr>
-          <a:xfrm>
-            <a:off x="351529" y="2717928"/>
-            <a:ext cx="1526380" cy="923330"/>
-          </a:xfrm>
-          <a:prstGeom prst="rect">
-            <a:avLst/>
-          </a:prstGeom>
-          <a:noFill/>
-        </p:spPr>
-        <p:txBody>
-          <a:bodyPr wrap="none" rtlCol="0">
-            <a:spAutoFit/>
-          </a:bodyPr>
-          <a:lstStyle/>
-          <a:p>
-            <a:r>
-              <a:rPr kumimoji="1" lang="ja-JP" altLang="en-US" dirty="0"/>
-              <a:t>モデルと</a:t>
-            </a:r>
-            <a:endParaRPr kumimoji="1" lang="en-US" altLang="ja-JP" dirty="0"/>
-          </a:p>
-          <a:p>
-            <a:r>
-              <a:rPr kumimoji="1" lang="ja-JP" altLang="en-US" dirty="0"/>
-              <a:t>解探索の</a:t>
-            </a:r>
-            <a:endParaRPr kumimoji="1" lang="en-US" altLang="ja-JP" dirty="0"/>
-          </a:p>
-          <a:p>
-            <a:r>
-              <a:rPr kumimoji="1" lang="ja-JP" altLang="en-US" dirty="0"/>
-              <a:t>初期値を渡す</a:t>
-            </a:r>
-          </a:p>
-        </p:txBody>
-      </p:sp>
-      <p:sp>
-        <p:nvSpPr>
-          <p:cNvPr id="42" name="正方形/長方形 41"/>
-          <p:cNvSpPr/>
-          <p:nvPr/>
-        </p:nvSpPr>
-        <p:spPr>
-          <a:xfrm>
-            <a:off x="3187243" y="4673847"/>
-            <a:ext cx="2704779" cy="369332"/>
-          </a:xfrm>
-          <a:prstGeom prst="rect">
-            <a:avLst/>
-          </a:prstGeom>
-        </p:spPr>
-        <p:txBody>
-          <a:bodyPr wrap="none">
-            <a:spAutoFit/>
-          </a:bodyPr>
-          <a:lstStyle/>
-          <a:p>
-            <a:r>
-              <a:rPr lang="en-US" altLang="ja-JP" dirty="0" err="1"/>
-              <a:t>func_poincreMapBound.m</a:t>
-            </a:r>
-            <a:endParaRPr lang="en-US" altLang="ja-JP" dirty="0"/>
-          </a:p>
-        </p:txBody>
-      </p:sp>
-      <p:grpSp>
-        <p:nvGrpSpPr>
-          <p:cNvPr id="43" name="グループ化 42"/>
-          <p:cNvGrpSpPr/>
-          <p:nvPr/>
-        </p:nvGrpSpPr>
-        <p:grpSpPr>
-          <a:xfrm>
-            <a:off x="2830133" y="4649248"/>
-            <a:ext cx="283490" cy="418530"/>
-            <a:chOff x="6257925" y="737790"/>
-            <a:chExt cx="552450" cy="815609"/>
-          </a:xfrm>
-        </p:grpSpPr>
-        <p:sp>
-          <p:nvSpPr>
-            <p:cNvPr id="44" name="正方形/長方形 43"/>
-            <p:cNvSpPr/>
-            <p:nvPr/>
-          </p:nvSpPr>
-          <p:spPr>
-            <a:xfrm>
-              <a:off x="6257925" y="737791"/>
-              <a:ext cx="552450" cy="815608"/>
-            </a:xfrm>
-            <a:prstGeom prst="rect">
-              <a:avLst/>
-            </a:prstGeom>
-            <a:ln>
-              <a:solidFill>
-                <a:schemeClr val="bg1">
-                  <a:lumMod val="50000"/>
-                </a:schemeClr>
-              </a:solidFill>
-            </a:ln>
-          </p:spPr>
-          <p:style>
-            <a:lnRef idx="2">
-              <a:schemeClr val="accent1"/>
-            </a:lnRef>
-            <a:fillRef idx="1">
-              <a:schemeClr val="lt1"/>
-            </a:fillRef>
-            <a:effectRef idx="0">
-              <a:schemeClr val="accent1"/>
-            </a:effectRef>
-            <a:fontRef idx="minor">
-              <a:schemeClr val="dk1"/>
-            </a:fontRef>
-          </p:style>
-          <p:txBody>
-            <a:bodyPr rtlCol="0" anchor="ctr"/>
-            <a:lstStyle/>
-            <a:p>
-              <a:pPr algn="ctr"/>
-              <a:endParaRPr kumimoji="1" lang="ja-JP" altLang="en-US"/>
-            </a:p>
-          </p:txBody>
-        </p:sp>
-        <p:sp>
-          <p:nvSpPr>
-            <p:cNvPr id="45" name="直角三角形 44"/>
-            <p:cNvSpPr/>
-            <p:nvPr/>
-          </p:nvSpPr>
-          <p:spPr>
-            <a:xfrm rot="10800000">
-              <a:off x="6639533" y="737790"/>
-              <a:ext cx="170842" cy="187065"/>
-            </a:xfrm>
-            <a:prstGeom prst="rtTriangle">
-              <a:avLst/>
-            </a:prstGeom>
-            <a:ln>
-              <a:solidFill>
-                <a:schemeClr val="bg1">
-                  <a:lumMod val="50000"/>
-                </a:schemeClr>
-              </a:solidFill>
-            </a:ln>
-          </p:spPr>
-          <p:style>
-            <a:lnRef idx="2">
-              <a:schemeClr val="accent1"/>
-            </a:lnRef>
-            <a:fillRef idx="1">
-              <a:schemeClr val="lt1"/>
-            </a:fillRef>
-            <a:effectRef idx="0">
-              <a:schemeClr val="accent1"/>
-            </a:effectRef>
-            <a:fontRef idx="minor">
-              <a:schemeClr val="dk1"/>
-            </a:fontRef>
-          </p:style>
-          <p:txBody>
-            <a:bodyPr rtlCol="0" anchor="ctr"/>
-            <a:lstStyle/>
-            <a:p>
-              <a:pPr algn="ctr"/>
-              <a:endParaRPr kumimoji="1" lang="ja-JP" altLang="en-US"/>
-            </a:p>
-          </p:txBody>
-        </p:sp>
-        <p:cxnSp>
-          <p:nvCxnSpPr>
-            <p:cNvPr id="46" name="直線コネクタ 45"/>
-            <p:cNvCxnSpPr/>
-            <p:nvPr/>
-          </p:nvCxnSpPr>
-          <p:spPr>
-            <a:xfrm>
-              <a:off x="6337356" y="924856"/>
-              <a:ext cx="349194" cy="0"/>
-            </a:xfrm>
-            <a:prstGeom prst="line">
-              <a:avLst/>
-            </a:prstGeom>
-            <a:ln>
-              <a:solidFill>
-                <a:schemeClr val="bg1">
-                  <a:lumMod val="50000"/>
-                </a:schemeClr>
-              </a:solidFill>
-            </a:ln>
-          </p:spPr>
-          <p:style>
-            <a:lnRef idx="2">
-              <a:schemeClr val="accent1"/>
-            </a:lnRef>
-            <a:fillRef idx="1">
-              <a:schemeClr val="lt1"/>
-            </a:fillRef>
-            <a:effectRef idx="0">
-              <a:schemeClr val="accent1"/>
-            </a:effectRef>
-            <a:fontRef idx="minor">
-              <a:schemeClr val="dk1"/>
-            </a:fontRef>
-          </p:style>
-        </p:cxnSp>
-        <p:cxnSp>
-          <p:nvCxnSpPr>
-            <p:cNvPr id="47" name="直線コネクタ 46"/>
-            <p:cNvCxnSpPr/>
-            <p:nvPr/>
-          </p:nvCxnSpPr>
-          <p:spPr>
-            <a:xfrm>
-              <a:off x="6337356" y="1055216"/>
-              <a:ext cx="349194" cy="0"/>
-            </a:xfrm>
-            <a:prstGeom prst="line">
-              <a:avLst/>
-            </a:prstGeom>
-            <a:ln>
-              <a:solidFill>
-                <a:schemeClr val="bg1">
-                  <a:lumMod val="50000"/>
-                </a:schemeClr>
-              </a:solidFill>
-            </a:ln>
-          </p:spPr>
-          <p:style>
-            <a:lnRef idx="2">
-              <a:schemeClr val="accent1"/>
-            </a:lnRef>
-            <a:fillRef idx="1">
-              <a:schemeClr val="lt1"/>
-            </a:fillRef>
-            <a:effectRef idx="0">
-              <a:schemeClr val="accent1"/>
-            </a:effectRef>
-            <a:fontRef idx="minor">
-              <a:schemeClr val="dk1"/>
-            </a:fontRef>
-          </p:style>
-        </p:cxnSp>
-        <p:cxnSp>
-          <p:nvCxnSpPr>
-            <p:cNvPr id="48" name="直線コネクタ 47"/>
-            <p:cNvCxnSpPr/>
-            <p:nvPr/>
-          </p:nvCxnSpPr>
-          <p:spPr>
-            <a:xfrm>
-              <a:off x="6337356" y="1185576"/>
-              <a:ext cx="349194" cy="0"/>
-            </a:xfrm>
-            <a:prstGeom prst="line">
-              <a:avLst/>
-            </a:prstGeom>
-            <a:ln>
-              <a:solidFill>
-                <a:schemeClr val="bg1">
-                  <a:lumMod val="50000"/>
-                </a:schemeClr>
-              </a:solidFill>
-            </a:ln>
-          </p:spPr>
-          <p:style>
-            <a:lnRef idx="2">
-              <a:schemeClr val="accent1"/>
-            </a:lnRef>
-            <a:fillRef idx="1">
-              <a:schemeClr val="lt1"/>
-            </a:fillRef>
-            <a:effectRef idx="0">
-              <a:schemeClr val="accent1"/>
-            </a:effectRef>
-            <a:fontRef idx="minor">
-              <a:schemeClr val="dk1"/>
-            </a:fontRef>
-          </p:style>
-        </p:cxnSp>
-        <p:cxnSp>
-          <p:nvCxnSpPr>
-            <p:cNvPr id="49" name="直線コネクタ 48"/>
-            <p:cNvCxnSpPr/>
-            <p:nvPr/>
-          </p:nvCxnSpPr>
-          <p:spPr>
-            <a:xfrm>
-              <a:off x="6337356" y="1315936"/>
-              <a:ext cx="349194" cy="0"/>
-            </a:xfrm>
-            <a:prstGeom prst="line">
-              <a:avLst/>
-            </a:prstGeom>
-            <a:ln>
-              <a:solidFill>
-                <a:schemeClr val="bg1">
-                  <a:lumMod val="50000"/>
-                </a:schemeClr>
-              </a:solidFill>
-            </a:ln>
-          </p:spPr>
-          <p:style>
-            <a:lnRef idx="2">
-              <a:schemeClr val="accent1"/>
-            </a:lnRef>
-            <a:fillRef idx="1">
-              <a:schemeClr val="lt1"/>
-            </a:fillRef>
-            <a:effectRef idx="0">
-              <a:schemeClr val="accent1"/>
-            </a:effectRef>
-            <a:fontRef idx="minor">
-              <a:schemeClr val="dk1"/>
-            </a:fontRef>
-          </p:style>
-        </p:cxnSp>
-        <p:cxnSp>
-          <p:nvCxnSpPr>
-            <p:cNvPr id="50" name="直線コネクタ 49"/>
-            <p:cNvCxnSpPr/>
-            <p:nvPr/>
-          </p:nvCxnSpPr>
-          <p:spPr>
-            <a:xfrm>
-              <a:off x="6337356" y="1446294"/>
-              <a:ext cx="349194" cy="0"/>
-            </a:xfrm>
-            <a:prstGeom prst="line">
-              <a:avLst/>
-            </a:prstGeom>
-            <a:ln>
-              <a:solidFill>
-                <a:schemeClr val="bg1">
-                  <a:lumMod val="50000"/>
-                </a:schemeClr>
-              </a:solidFill>
-            </a:ln>
-          </p:spPr>
-          <p:style>
-            <a:lnRef idx="2">
-              <a:schemeClr val="accent1"/>
-            </a:lnRef>
-            <a:fillRef idx="1">
-              <a:schemeClr val="lt1"/>
-            </a:fillRef>
-            <a:effectRef idx="0">
-              <a:schemeClr val="accent1"/>
-            </a:effectRef>
-            <a:fontRef idx="minor">
-              <a:schemeClr val="dk1"/>
-            </a:fontRef>
-          </p:style>
-        </p:cxnSp>
-      </p:grpSp>
-      <p:sp>
-        <p:nvSpPr>
-          <p:cNvPr id="53" name="テキスト ボックス 52"/>
-          <p:cNvSpPr txBox="1"/>
-          <p:nvPr/>
-        </p:nvSpPr>
-        <p:spPr>
-          <a:xfrm>
-            <a:off x="846147" y="4311631"/>
-            <a:ext cx="1526380" cy="923330"/>
-          </a:xfrm>
-          <a:prstGeom prst="rect">
-            <a:avLst/>
-          </a:prstGeom>
-          <a:noFill/>
-        </p:spPr>
-        <p:txBody>
-          <a:bodyPr wrap="none" rtlCol="0">
-            <a:spAutoFit/>
-          </a:bodyPr>
-          <a:lstStyle/>
-          <a:p>
-            <a:r>
-              <a:rPr kumimoji="1" lang="ja-JP" altLang="en-US" dirty="0"/>
-              <a:t>①モデルと</a:t>
-            </a:r>
-            <a:endParaRPr kumimoji="1" lang="en-US" altLang="ja-JP" dirty="0"/>
-          </a:p>
-          <a:p>
-            <a:r>
-              <a:rPr kumimoji="1" lang="ja-JP" altLang="en-US" dirty="0"/>
-              <a:t>運動の</a:t>
-            </a:r>
-            <a:endParaRPr kumimoji="1" lang="en-US" altLang="ja-JP" dirty="0"/>
-          </a:p>
-          <a:p>
-            <a:r>
-              <a:rPr kumimoji="1" lang="ja-JP" altLang="en-US" dirty="0"/>
-              <a:t>初期値を渡す</a:t>
-            </a:r>
-          </a:p>
-        </p:txBody>
-      </p:sp>
-      <p:sp>
-        <p:nvSpPr>
-          <p:cNvPr id="54" name="正方形/長方形 53"/>
-          <p:cNvSpPr/>
-          <p:nvPr/>
-        </p:nvSpPr>
-        <p:spPr>
-          <a:xfrm>
-            <a:off x="2722413" y="3272255"/>
-            <a:ext cx="2293769" cy="369332"/>
-          </a:xfrm>
-          <a:prstGeom prst="rect">
-            <a:avLst/>
-          </a:prstGeom>
-        </p:spPr>
-        <p:txBody>
-          <a:bodyPr wrap="none">
-            <a:spAutoFit/>
-          </a:bodyPr>
-          <a:lstStyle/>
-          <a:p>
-            <a:r>
-              <a:rPr lang="en-US" altLang="ja-JP" dirty="0" err="1"/>
-              <a:t>fsolve</a:t>
-            </a:r>
-            <a:r>
-              <a:rPr lang="ja-JP" altLang="en-US" dirty="0"/>
-              <a:t>で周期解を探索</a:t>
-            </a:r>
-            <a:endParaRPr lang="en-US" altLang="ja-JP" dirty="0"/>
-          </a:p>
-        </p:txBody>
-      </p:sp>
-      <p:cxnSp>
-        <p:nvCxnSpPr>
-          <p:cNvPr id="60" name="直線コネクタ 59"/>
-          <p:cNvCxnSpPr>
-            <a:cxnSpLocks/>
-          </p:cNvCxnSpPr>
-          <p:nvPr/>
-        </p:nvCxnSpPr>
-        <p:spPr>
-          <a:xfrm flipV="1">
-            <a:off x="7557477" y="1011858"/>
-            <a:ext cx="0" cy="1939225"/>
-          </a:xfrm>
-          <a:prstGeom prst="line">
-            <a:avLst/>
-          </a:prstGeom>
-        </p:spPr>
-        <p:style>
-          <a:lnRef idx="1">
-            <a:schemeClr val="accent1"/>
-          </a:lnRef>
-          <a:fillRef idx="0">
-            <a:schemeClr val="accent1"/>
-          </a:fillRef>
-          <a:effectRef idx="0">
-            <a:schemeClr val="accent1"/>
-          </a:effectRef>
-          <a:fontRef idx="minor">
-            <a:schemeClr val="tx1"/>
-          </a:fontRef>
-        </p:style>
-      </p:cxnSp>
-      <p:cxnSp>
-        <p:nvCxnSpPr>
-          <p:cNvPr id="62" name="直線矢印コネクタ 61"/>
-          <p:cNvCxnSpPr>
-            <a:cxnSpLocks/>
-          </p:cNvCxnSpPr>
-          <p:nvPr/>
-        </p:nvCxnSpPr>
-        <p:spPr>
-          <a:xfrm flipH="1">
-            <a:off x="4540738" y="1011858"/>
-            <a:ext cx="3016741" cy="0"/>
-          </a:xfrm>
-          <a:prstGeom prst="straightConnector1">
-            <a:avLst/>
-          </a:prstGeom>
-          <a:ln>
-            <a:tailEnd type="triangle"/>
-          </a:ln>
-        </p:spPr>
-        <p:style>
-          <a:lnRef idx="1">
-            <a:schemeClr val="accent1"/>
-          </a:lnRef>
-          <a:fillRef idx="0">
-            <a:schemeClr val="accent1"/>
-          </a:fillRef>
-          <a:effectRef idx="0">
-            <a:schemeClr val="accent1"/>
-          </a:effectRef>
-          <a:fontRef idx="minor">
-            <a:schemeClr val="tx1"/>
-          </a:fontRef>
-        </p:style>
-      </p:cxnSp>
-      <p:sp>
-        <p:nvSpPr>
-          <p:cNvPr id="63" name="正方形/長方形 62"/>
-          <p:cNvSpPr/>
-          <p:nvPr/>
-        </p:nvSpPr>
-        <p:spPr>
-          <a:xfrm>
-            <a:off x="2909903" y="5303192"/>
-            <a:ext cx="4618572" cy="646331"/>
-          </a:xfrm>
-          <a:prstGeom prst="rect">
-            <a:avLst/>
-          </a:prstGeom>
-        </p:spPr>
-        <p:txBody>
-          <a:bodyPr wrap="none">
-            <a:spAutoFit/>
-          </a:bodyPr>
-          <a:lstStyle/>
-          <a:p>
-            <a:pPr marL="342900" indent="-342900">
-              <a:buFont typeface="+mj-lt"/>
-              <a:buAutoNum type="arabicPeriod"/>
-            </a:pPr>
-            <a:r>
-              <a:rPr lang="ja-JP" altLang="en-US" dirty="0"/>
-              <a:t>運動の初期値から</a:t>
-            </a:r>
-            <a:r>
-              <a:rPr lang="en-US" altLang="ja-JP" dirty="0"/>
-              <a:t>1</a:t>
-            </a:r>
-            <a:r>
-              <a:rPr lang="ja-JP" altLang="en-US" dirty="0"/>
-              <a:t>歩分だけ動かしてみる</a:t>
-            </a:r>
-            <a:endParaRPr lang="en-US" altLang="ja-JP" dirty="0"/>
-          </a:p>
-          <a:p>
-            <a:pPr marL="342900" indent="-342900">
-              <a:buFont typeface="+mj-lt"/>
-              <a:buAutoNum type="arabicPeriod"/>
-            </a:pPr>
-            <a:r>
-              <a:rPr lang="ja-JP" altLang="en-US" dirty="0"/>
-              <a:t>初期値と終端値の誤差を計算</a:t>
-            </a:r>
-          </a:p>
-        </p:txBody>
-      </p:sp>
-      <p:cxnSp>
-        <p:nvCxnSpPr>
-          <p:cNvPr id="66" name="直線矢印コネクタ 65"/>
-          <p:cNvCxnSpPr/>
-          <p:nvPr/>
-        </p:nvCxnSpPr>
-        <p:spPr>
-          <a:xfrm>
-            <a:off x="2392907" y="4875675"/>
-            <a:ext cx="435631" cy="0"/>
-          </a:xfrm>
-          <a:prstGeom prst="straightConnector1">
-            <a:avLst/>
-          </a:prstGeom>
-          <a:ln>
-            <a:tailEnd type="triangle"/>
-          </a:ln>
-        </p:spPr>
-        <p:style>
-          <a:lnRef idx="1">
-            <a:schemeClr val="accent1"/>
-          </a:lnRef>
-          <a:fillRef idx="0">
-            <a:schemeClr val="accent1"/>
-          </a:fillRef>
-          <a:effectRef idx="0">
-            <a:schemeClr val="accent1"/>
-          </a:effectRef>
-          <a:fontRef idx="minor">
-            <a:schemeClr val="tx1"/>
-          </a:fontRef>
-        </p:style>
-      </p:cxnSp>
-      <p:cxnSp>
-        <p:nvCxnSpPr>
-          <p:cNvPr id="68" name="直線コネクタ 67"/>
-          <p:cNvCxnSpPr/>
-          <p:nvPr/>
-        </p:nvCxnSpPr>
-        <p:spPr>
-          <a:xfrm flipV="1">
-            <a:off x="2392907" y="3839671"/>
-            <a:ext cx="0" cy="1039359"/>
-          </a:xfrm>
-          <a:prstGeom prst="line">
-            <a:avLst/>
-          </a:prstGeom>
-        </p:spPr>
-        <p:style>
-          <a:lnRef idx="1">
-            <a:schemeClr val="accent1"/>
-          </a:lnRef>
-          <a:fillRef idx="0">
-            <a:schemeClr val="accent1"/>
-          </a:fillRef>
-          <a:effectRef idx="0">
-            <a:schemeClr val="accent1"/>
-          </a:effectRef>
-          <a:fontRef idx="minor">
-            <a:schemeClr val="tx1"/>
-          </a:fontRef>
-        </p:style>
-      </p:cxnSp>
-      <p:cxnSp>
-        <p:nvCxnSpPr>
-          <p:cNvPr id="70" name="直線コネクタ 69"/>
-          <p:cNvCxnSpPr/>
-          <p:nvPr/>
-        </p:nvCxnSpPr>
-        <p:spPr>
-          <a:xfrm>
-            <a:off x="2392907" y="3831855"/>
-            <a:ext cx="1139808" cy="0"/>
-          </a:xfrm>
-          <a:prstGeom prst="line">
-            <a:avLst/>
-          </a:prstGeom>
-        </p:spPr>
-        <p:style>
-          <a:lnRef idx="1">
-            <a:schemeClr val="accent1"/>
-          </a:lnRef>
-          <a:fillRef idx="0">
-            <a:schemeClr val="accent1"/>
-          </a:fillRef>
-          <a:effectRef idx="0">
-            <a:schemeClr val="accent1"/>
-          </a:effectRef>
-          <a:fontRef idx="minor">
-            <a:schemeClr val="tx1"/>
-          </a:fontRef>
-        </p:style>
-      </p:cxnSp>
-      <p:sp>
-        <p:nvSpPr>
-          <p:cNvPr id="72" name="正方形/長方形 71"/>
-          <p:cNvSpPr/>
-          <p:nvPr/>
-        </p:nvSpPr>
-        <p:spPr>
-          <a:xfrm>
-            <a:off x="3532715" y="3655005"/>
-            <a:ext cx="4256293" cy="369332"/>
-          </a:xfrm>
-          <a:prstGeom prst="rect">
-            <a:avLst/>
-          </a:prstGeom>
-        </p:spPr>
-        <p:txBody>
-          <a:bodyPr wrap="none">
-            <a:spAutoFit/>
-          </a:bodyPr>
-          <a:lstStyle/>
-          <a:p>
-            <a:r>
-              <a:rPr lang="ja-JP" altLang="en-US" dirty="0"/>
-              <a:t>③誤差が</a:t>
-            </a:r>
-            <a:r>
-              <a:rPr lang="en-US" altLang="ja-JP" dirty="0"/>
-              <a:t>0</a:t>
-            </a:r>
-            <a:r>
-              <a:rPr lang="ja-JP" altLang="en-US" dirty="0"/>
-              <a:t>に収束するように初期値を更新</a:t>
-            </a:r>
-            <a:endParaRPr lang="en-US" altLang="ja-JP" dirty="0"/>
-          </a:p>
-        </p:txBody>
-      </p:sp>
-      <p:cxnSp>
-        <p:nvCxnSpPr>
-          <p:cNvPr id="73" name="直線コネクタ 72"/>
-          <p:cNvCxnSpPr/>
-          <p:nvPr/>
-        </p:nvCxnSpPr>
-        <p:spPr>
-          <a:xfrm>
-            <a:off x="6281153" y="5752123"/>
-            <a:ext cx="2073491" cy="0"/>
-          </a:xfrm>
-          <a:prstGeom prst="line">
-            <a:avLst/>
-          </a:prstGeom>
-        </p:spPr>
-        <p:style>
-          <a:lnRef idx="1">
-            <a:schemeClr val="accent1"/>
-          </a:lnRef>
-          <a:fillRef idx="0">
-            <a:schemeClr val="accent1"/>
-          </a:fillRef>
-          <a:effectRef idx="0">
-            <a:schemeClr val="accent1"/>
-          </a:effectRef>
-          <a:fontRef idx="minor">
-            <a:schemeClr val="tx1"/>
-          </a:fontRef>
-        </p:style>
-      </p:cxnSp>
-      <p:cxnSp>
-        <p:nvCxnSpPr>
-          <p:cNvPr id="75" name="直線コネクタ 74"/>
-          <p:cNvCxnSpPr/>
-          <p:nvPr/>
-        </p:nvCxnSpPr>
-        <p:spPr>
-          <a:xfrm flipV="1">
-            <a:off x="8354644" y="3839671"/>
-            <a:ext cx="0" cy="1904100"/>
-          </a:xfrm>
-          <a:prstGeom prst="line">
-            <a:avLst/>
-          </a:prstGeom>
-        </p:spPr>
-        <p:style>
-          <a:lnRef idx="1">
-            <a:schemeClr val="accent1"/>
-          </a:lnRef>
-          <a:fillRef idx="0">
-            <a:schemeClr val="accent1"/>
-          </a:fillRef>
-          <a:effectRef idx="0">
-            <a:schemeClr val="accent1"/>
-          </a:effectRef>
-          <a:fontRef idx="minor">
-            <a:schemeClr val="tx1"/>
-          </a:fontRef>
-        </p:style>
-      </p:cxnSp>
-      <p:cxnSp>
-        <p:nvCxnSpPr>
-          <p:cNvPr id="77" name="直線矢印コネクタ 76"/>
-          <p:cNvCxnSpPr/>
-          <p:nvPr/>
-        </p:nvCxnSpPr>
-        <p:spPr>
-          <a:xfrm flipH="1">
-            <a:off x="7789008" y="3839671"/>
-            <a:ext cx="565636" cy="0"/>
-          </a:xfrm>
-          <a:prstGeom prst="straightConnector1">
-            <a:avLst/>
-          </a:prstGeom>
-          <a:ln>
-            <a:tailEnd type="triangle"/>
-          </a:ln>
-        </p:spPr>
-        <p:style>
-          <a:lnRef idx="1">
-            <a:schemeClr val="accent1"/>
-          </a:lnRef>
-          <a:fillRef idx="0">
-            <a:schemeClr val="accent1"/>
-          </a:fillRef>
-          <a:effectRef idx="0">
-            <a:schemeClr val="accent1"/>
-          </a:effectRef>
-          <a:fontRef idx="minor">
-            <a:schemeClr val="tx1"/>
-          </a:fontRef>
-        </p:style>
-      </p:cxnSp>
-      <p:sp>
-        <p:nvSpPr>
-          <p:cNvPr id="79" name="正方形/長方形 78"/>
-          <p:cNvSpPr/>
-          <p:nvPr/>
-        </p:nvSpPr>
-        <p:spPr>
-          <a:xfrm>
-            <a:off x="2610456" y="5132387"/>
-            <a:ext cx="415498" cy="369332"/>
-          </a:xfrm>
-          <a:prstGeom prst="rect">
-            <a:avLst/>
-          </a:prstGeom>
-        </p:spPr>
-        <p:txBody>
-          <a:bodyPr wrap="none">
-            <a:spAutoFit/>
-          </a:bodyPr>
-          <a:lstStyle/>
-          <a:p>
-            <a:r>
-              <a:rPr lang="ja-JP" altLang="en-US" dirty="0"/>
-              <a:t>②</a:t>
-            </a:r>
-          </a:p>
-        </p:txBody>
-      </p:sp>
-      <p:sp>
-        <p:nvSpPr>
-          <p:cNvPr id="84" name="テキスト ボックス 83"/>
-          <p:cNvSpPr txBox="1"/>
-          <p:nvPr/>
-        </p:nvSpPr>
-        <p:spPr>
-          <a:xfrm>
-            <a:off x="7594226" y="2671398"/>
-            <a:ext cx="2145139" cy="369332"/>
-          </a:xfrm>
-          <a:prstGeom prst="rect">
-            <a:avLst/>
-          </a:prstGeom>
-          <a:noFill/>
-        </p:spPr>
-        <p:txBody>
-          <a:bodyPr wrap="none" rtlCol="0">
-            <a:spAutoFit/>
-          </a:bodyPr>
-          <a:lstStyle/>
-          <a:p>
-            <a:r>
-              <a:rPr kumimoji="1" lang="ja-JP" altLang="en-US" dirty="0"/>
-              <a:t>見つかった解を返す</a:t>
-            </a:r>
-          </a:p>
-        </p:txBody>
-      </p:sp>
-    </p:spTree>
-    <p:extLst>
-      <p:ext uri="{BB962C8B-B14F-4D97-AF65-F5344CB8AC3E}">
-        <p14:creationId xmlns:p14="http://schemas.microsoft.com/office/powerpoint/2010/main" val="1089451616"/>
       </p:ext>
     </p:extLst>
   </p:cSld>
